--- a/content/lectures/Introduction.pptx
+++ b/content/lectures/Introduction.pptx
@@ -14,9 +14,9 @@
     <p:sldId id="262" r:id="rId8"/>
     <p:sldId id="263" r:id="rId9"/>
     <p:sldId id="267" r:id="rId10"/>
-    <p:sldId id="265" r:id="rId11"/>
-    <p:sldId id="264" r:id="rId12"/>
-    <p:sldId id="266" r:id="rId13"/>
+    <p:sldId id="268" r:id="rId11"/>
+    <p:sldId id="265" r:id="rId12"/>
+    <p:sldId id="264" r:id="rId13"/>
   </p:sldIdLst>
   <p:sldSz cx="12192000" cy="6858000"/>
   <p:notesSz cx="6858000" cy="9144000"/>
@@ -115,6 +115,11 @@
       </a:defRPr>
     </a:lvl9pPr>
   </p:defaultTextStyle>
+  <p:extLst>
+    <p:ext uri="{EFAFB233-063F-42B5-8137-9DF3F51BA10A}">
+      <p15:sldGuideLst xmlns:p15="http://schemas.microsoft.com/office/powerpoint/2012/main"/>
+    </p:ext>
+  </p:extLst>
 </p:presentation>
 </file>
 
@@ -267,7 +272,7 @@
           <a:p>
             <a:fld id="{71A5D26E-60C0-474D-91E6-B553CAC75DCD}" type="datetimeFigureOut">
               <a:rPr lang="en-US" smtClean="0"/>
-              <a:t>6/27/24</a:t>
+              <a:t>7/1/24</a:t>
             </a:fld>
             <a:endParaRPr lang="en-US"/>
           </a:p>
@@ -467,7 +472,7 @@
           <a:p>
             <a:fld id="{71A5D26E-60C0-474D-91E6-B553CAC75DCD}" type="datetimeFigureOut">
               <a:rPr lang="en-US" smtClean="0"/>
-              <a:t>6/27/24</a:t>
+              <a:t>7/1/24</a:t>
             </a:fld>
             <a:endParaRPr lang="en-US"/>
           </a:p>
@@ -677,7 +682,7 @@
           <a:p>
             <a:fld id="{71A5D26E-60C0-474D-91E6-B553CAC75DCD}" type="datetimeFigureOut">
               <a:rPr lang="en-US" smtClean="0"/>
-              <a:t>6/27/24</a:t>
+              <a:t>7/1/24</a:t>
             </a:fld>
             <a:endParaRPr lang="en-US"/>
           </a:p>
@@ -877,7 +882,7 @@
           <a:p>
             <a:fld id="{71A5D26E-60C0-474D-91E6-B553CAC75DCD}" type="datetimeFigureOut">
               <a:rPr lang="en-US" smtClean="0"/>
-              <a:t>6/27/24</a:t>
+              <a:t>7/1/24</a:t>
             </a:fld>
             <a:endParaRPr lang="en-US"/>
           </a:p>
@@ -1153,7 +1158,7 @@
           <a:p>
             <a:fld id="{71A5D26E-60C0-474D-91E6-B553CAC75DCD}" type="datetimeFigureOut">
               <a:rPr lang="en-US" smtClean="0"/>
-              <a:t>6/27/24</a:t>
+              <a:t>7/1/24</a:t>
             </a:fld>
             <a:endParaRPr lang="en-US"/>
           </a:p>
@@ -1421,7 +1426,7 @@
           <a:p>
             <a:fld id="{71A5D26E-60C0-474D-91E6-B553CAC75DCD}" type="datetimeFigureOut">
               <a:rPr lang="en-US" smtClean="0"/>
-              <a:t>6/27/24</a:t>
+              <a:t>7/1/24</a:t>
             </a:fld>
             <a:endParaRPr lang="en-US"/>
           </a:p>
@@ -1836,7 +1841,7 @@
           <a:p>
             <a:fld id="{71A5D26E-60C0-474D-91E6-B553CAC75DCD}" type="datetimeFigureOut">
               <a:rPr lang="en-US" smtClean="0"/>
-              <a:t>6/27/24</a:t>
+              <a:t>7/1/24</a:t>
             </a:fld>
             <a:endParaRPr lang="en-US"/>
           </a:p>
@@ -1978,7 +1983,7 @@
           <a:p>
             <a:fld id="{71A5D26E-60C0-474D-91E6-B553CAC75DCD}" type="datetimeFigureOut">
               <a:rPr lang="en-US" smtClean="0"/>
-              <a:t>6/27/24</a:t>
+              <a:t>7/1/24</a:t>
             </a:fld>
             <a:endParaRPr lang="en-US"/>
           </a:p>
@@ -2091,7 +2096,7 @@
           <a:p>
             <a:fld id="{71A5D26E-60C0-474D-91E6-B553CAC75DCD}" type="datetimeFigureOut">
               <a:rPr lang="en-US" smtClean="0"/>
-              <a:t>6/27/24</a:t>
+              <a:t>7/1/24</a:t>
             </a:fld>
             <a:endParaRPr lang="en-US"/>
           </a:p>
@@ -2404,7 +2409,7 @@
           <a:p>
             <a:fld id="{71A5D26E-60C0-474D-91E6-B553CAC75DCD}" type="datetimeFigureOut">
               <a:rPr lang="en-US" smtClean="0"/>
-              <a:t>6/27/24</a:t>
+              <a:t>7/1/24</a:t>
             </a:fld>
             <a:endParaRPr lang="en-US"/>
           </a:p>
@@ -2693,7 +2698,7 @@
           <a:p>
             <a:fld id="{71A5D26E-60C0-474D-91E6-B553CAC75DCD}" type="datetimeFigureOut">
               <a:rPr lang="en-US" smtClean="0"/>
-              <a:t>6/27/24</a:t>
+              <a:t>7/1/24</a:t>
             </a:fld>
             <a:endParaRPr lang="en-US"/>
           </a:p>
@@ -2936,7 +2941,7 @@
           <a:p>
             <a:fld id="{71A5D26E-60C0-474D-91E6-B553CAC75DCD}" type="datetimeFigureOut">
               <a:rPr lang="en-US" smtClean="0"/>
-              <a:t>6/27/24</a:t>
+              <a:t>7/1/24</a:t>
             </a:fld>
             <a:endParaRPr lang="en-US"/>
           </a:p>
@@ -3411,118 +3416,345 @@
           <a:chExt cx="0" cy="0"/>
         </a:xfrm>
       </p:grpSpPr>
-      <p:sp>
-        <p:nvSpPr>
-          <p:cNvPr id="2" name="Title 1">
-            <a:extLst>
-              <a:ext uri="{FF2B5EF4-FFF2-40B4-BE49-F238E27FC236}">
-                <a16:creationId xmlns:a16="http://schemas.microsoft.com/office/drawing/2014/main" id="{4FB9E107-26A5-0844-812B-5AB183056BB6}"/>
-              </a:ext>
-            </a:extLst>
-          </p:cNvPr>
-          <p:cNvSpPr>
-            <a:spLocks noGrp="1"/>
-          </p:cNvSpPr>
-          <p:nvPr>
-            <p:ph type="title"/>
-          </p:nvPr>
-        </p:nvSpPr>
-        <p:spPr/>
-        <p:txBody>
-          <a:bodyPr/>
-          <a:lstStyle/>
-          <a:p>
-            <a:r>
-              <a:rPr lang="en-US" dirty="0"/>
-              <a:t>Course content</a:t>
-            </a:r>
-          </a:p>
-        </p:txBody>
-      </p:sp>
-      <p:sp>
-        <p:nvSpPr>
-          <p:cNvPr id="3" name="Content Placeholder 2">
-            <a:extLst>
-              <a:ext uri="{FF2B5EF4-FFF2-40B4-BE49-F238E27FC236}">
-                <a16:creationId xmlns:a16="http://schemas.microsoft.com/office/drawing/2014/main" id="{10AF2000-489B-5279-5E64-8DFF34BCF987}"/>
-              </a:ext>
-            </a:extLst>
-          </p:cNvPr>
-          <p:cNvSpPr>
-            <a:spLocks noGrp="1"/>
-          </p:cNvSpPr>
+      <p:pic>
+        <p:nvPicPr>
+          <p:cNvPr id="5" name="Content Placeholder 4" descr="A table with text on it&#10;&#10;Description automatically generated">
+            <a:extLst>
+              <a:ext uri="{FF2B5EF4-FFF2-40B4-BE49-F238E27FC236}">
+                <a16:creationId xmlns:a16="http://schemas.microsoft.com/office/drawing/2014/main" id="{DA3BAC91-46D7-7AA0-6E8D-E27ED916671E}"/>
+              </a:ext>
+            </a:extLst>
+          </p:cNvPr>
+          <p:cNvPicPr>
+            <a:picLocks noGrp="1" noChangeAspect="1"/>
+          </p:cNvPicPr>
           <p:nvPr>
             <p:ph idx="1"/>
           </p:nvPr>
-        </p:nvSpPr>
-        <p:spPr/>
-        <p:txBody>
-          <a:bodyPr/>
-          <a:lstStyle/>
-          <a:p>
-            <a:r>
-              <a:rPr lang="en-US" dirty="0"/>
-              <a:t>Course content can be found from the git:</a:t>
-            </a:r>
-          </a:p>
-          <a:p>
-            <a:pPr lvl="1"/>
-            <a:r>
-              <a:rPr lang="en-US" dirty="0">
-                <a:hlinkClick r:id="rId2"/>
-              </a:rPr>
-              <a:t>https://github.com/ahmed-f-alrefaie/UCLPythonCourse</a:t>
-            </a:r>
-            <a:endParaRPr lang="en-US" dirty="0"/>
-          </a:p>
-          <a:p>
-            <a:pPr lvl="1"/>
-            <a:r>
-              <a:rPr lang="en-US" dirty="0"/>
-              <a:t>git clone </a:t>
-            </a:r>
-            <a:r>
-              <a:rPr lang="en-US" dirty="0">
-                <a:hlinkClick r:id="rId3"/>
-              </a:rPr>
-              <a:t>https://github.com/ahmed-f-alrefaie/UCLPythonCourse.git</a:t>
-            </a:r>
-            <a:endParaRPr lang="en-US" dirty="0"/>
-          </a:p>
-          <a:p>
-            <a:r>
-              <a:rPr lang="en-US" dirty="0"/>
-              <a:t>Notebooks are under </a:t>
-            </a:r>
-            <a:r>
-              <a:rPr lang="en-US" i="1" dirty="0"/>
-              <a:t>content</a:t>
-            </a:r>
-            <a:r>
-              <a:rPr lang="en-US" i="1"/>
-              <a:t>/notebooks</a:t>
-            </a:r>
-            <a:endParaRPr lang="en-US" i="1" dirty="0"/>
-          </a:p>
-          <a:p>
-            <a:r>
-              <a:rPr lang="en-US" dirty="0"/>
-              <a:t>Lecture notes are under </a:t>
-            </a:r>
-            <a:r>
-              <a:rPr lang="en-US" i="1" dirty="0"/>
-              <a:t>content/lectures</a:t>
-            </a:r>
-          </a:p>
-          <a:p>
-            <a:endParaRPr lang="en-US" dirty="0"/>
-          </a:p>
-        </p:txBody>
-      </p:sp>
+        </p:nvPicPr>
+        <p:blipFill>
+          <a:blip r:embed="rId2"/>
+          <a:stretch>
+            <a:fillRect/>
+          </a:stretch>
+        </p:blipFill>
+        <p:spPr>
+          <a:xfrm>
+            <a:off x="2139950" y="1956594"/>
+            <a:ext cx="7912100" cy="4089400"/>
+          </a:xfrm>
+        </p:spPr>
+      </p:pic>
+      <p:grpSp>
+        <p:nvGrpSpPr>
+          <p:cNvPr id="8" name="Group 7">
+            <a:extLst>
+              <a:ext uri="{FF2B5EF4-FFF2-40B4-BE49-F238E27FC236}">
+                <a16:creationId xmlns:a16="http://schemas.microsoft.com/office/drawing/2014/main" id="{9AB9F60C-6876-6BE3-26A0-4D983B627CBE}"/>
+              </a:ext>
+            </a:extLst>
+          </p:cNvPr>
+          <p:cNvGrpSpPr/>
+          <p:nvPr/>
+        </p:nvGrpSpPr>
+        <p:grpSpPr>
+          <a:xfrm>
+            <a:off x="2800351" y="1351121"/>
+            <a:ext cx="2157413" cy="605473"/>
+            <a:chOff x="2800351" y="1351121"/>
+            <a:chExt cx="2157413" cy="605473"/>
+          </a:xfrm>
+        </p:grpSpPr>
+        <p:sp>
+          <p:nvSpPr>
+            <p:cNvPr id="6" name="Right Brace 5">
+              <a:extLst>
+                <a:ext uri="{FF2B5EF4-FFF2-40B4-BE49-F238E27FC236}">
+                  <a16:creationId xmlns:a16="http://schemas.microsoft.com/office/drawing/2014/main" id="{A8AC251B-0037-093F-C277-BAAFEB25729D}"/>
+                </a:ext>
+              </a:extLst>
+            </p:cNvPr>
+            <p:cNvSpPr/>
+            <p:nvPr/>
+          </p:nvSpPr>
+          <p:spPr>
+            <a:xfrm rot="16200000">
+              <a:off x="3764758" y="763588"/>
+              <a:ext cx="236140" cy="2149871"/>
+            </a:xfrm>
+            <a:prstGeom prst="rightBrace">
+              <a:avLst/>
+            </a:prstGeom>
+            <a:ln w="28575"/>
+          </p:spPr>
+          <p:style>
+            <a:lnRef idx="1">
+              <a:schemeClr val="accent1"/>
+            </a:lnRef>
+            <a:fillRef idx="0">
+              <a:schemeClr val="accent1"/>
+            </a:fillRef>
+            <a:effectRef idx="0">
+              <a:schemeClr val="accent1"/>
+            </a:effectRef>
+            <a:fontRef idx="minor">
+              <a:schemeClr val="tx1"/>
+            </a:fontRef>
+          </p:style>
+          <p:txBody>
+            <a:bodyPr rtlCol="0" anchor="ctr"/>
+            <a:lstStyle/>
+            <a:p>
+              <a:pPr algn="ctr"/>
+              <a:endParaRPr lang="en-US"/>
+            </a:p>
+          </p:txBody>
+        </p:sp>
+        <p:sp>
+          <p:nvSpPr>
+            <p:cNvPr id="7" name="TextBox 6">
+              <a:extLst>
+                <a:ext uri="{FF2B5EF4-FFF2-40B4-BE49-F238E27FC236}">
+                  <a16:creationId xmlns:a16="http://schemas.microsoft.com/office/drawing/2014/main" id="{A37C0CF2-3EDA-3155-5AA7-739180822C3A}"/>
+                </a:ext>
+              </a:extLst>
+            </p:cNvPr>
+            <p:cNvSpPr txBox="1"/>
+            <p:nvPr/>
+          </p:nvSpPr>
+          <p:spPr>
+            <a:xfrm>
+              <a:off x="2800351" y="1351121"/>
+              <a:ext cx="2157413" cy="369332"/>
+            </a:xfrm>
+            <a:prstGeom prst="rect">
+              <a:avLst/>
+            </a:prstGeom>
+            <a:noFill/>
+          </p:spPr>
+          <p:txBody>
+            <a:bodyPr wrap="square" rtlCol="0">
+              <a:spAutoFit/>
+            </a:bodyPr>
+            <a:lstStyle/>
+            <a:p>
+              <a:pPr algn="ctr"/>
+              <a:r>
+                <a:rPr lang="en-US" dirty="0"/>
+                <a:t>Intro</a:t>
+              </a:r>
+            </a:p>
+          </p:txBody>
+        </p:sp>
+      </p:grpSp>
+      <p:grpSp>
+        <p:nvGrpSpPr>
+          <p:cNvPr id="9" name="Group 8">
+            <a:extLst>
+              <a:ext uri="{FF2B5EF4-FFF2-40B4-BE49-F238E27FC236}">
+                <a16:creationId xmlns:a16="http://schemas.microsoft.com/office/drawing/2014/main" id="{35BE7A68-F0B0-B5F1-A608-70F2FE110D2E}"/>
+              </a:ext>
+            </a:extLst>
+          </p:cNvPr>
+          <p:cNvGrpSpPr/>
+          <p:nvPr/>
+        </p:nvGrpSpPr>
+        <p:grpSpPr>
+          <a:xfrm>
+            <a:off x="5076825" y="1314211"/>
+            <a:ext cx="2157413" cy="605473"/>
+            <a:chOff x="2800351" y="1351121"/>
+            <a:chExt cx="2157413" cy="605473"/>
+          </a:xfrm>
+        </p:grpSpPr>
+        <p:sp>
+          <p:nvSpPr>
+            <p:cNvPr id="10" name="Right Brace 9">
+              <a:extLst>
+                <a:ext uri="{FF2B5EF4-FFF2-40B4-BE49-F238E27FC236}">
+                  <a16:creationId xmlns:a16="http://schemas.microsoft.com/office/drawing/2014/main" id="{2FFE8BD3-ACF9-DE91-6D3F-43E900992A47}"/>
+                </a:ext>
+              </a:extLst>
+            </p:cNvPr>
+            <p:cNvSpPr/>
+            <p:nvPr/>
+          </p:nvSpPr>
+          <p:spPr>
+            <a:xfrm rot="16200000">
+              <a:off x="3764758" y="763588"/>
+              <a:ext cx="236140" cy="2149871"/>
+            </a:xfrm>
+            <a:prstGeom prst="rightBrace">
+              <a:avLst/>
+            </a:prstGeom>
+            <a:ln w="28575"/>
+          </p:spPr>
+          <p:style>
+            <a:lnRef idx="1">
+              <a:schemeClr val="accent1"/>
+            </a:lnRef>
+            <a:fillRef idx="0">
+              <a:schemeClr val="accent1"/>
+            </a:fillRef>
+            <a:effectRef idx="0">
+              <a:schemeClr val="accent1"/>
+            </a:effectRef>
+            <a:fontRef idx="minor">
+              <a:schemeClr val="tx1"/>
+            </a:fontRef>
+          </p:style>
+          <p:txBody>
+            <a:bodyPr rtlCol="0" anchor="ctr"/>
+            <a:lstStyle/>
+            <a:p>
+              <a:pPr algn="ctr"/>
+              <a:endParaRPr lang="en-US"/>
+            </a:p>
+          </p:txBody>
+        </p:sp>
+        <p:sp>
+          <p:nvSpPr>
+            <p:cNvPr id="11" name="TextBox 10">
+              <a:extLst>
+                <a:ext uri="{FF2B5EF4-FFF2-40B4-BE49-F238E27FC236}">
+                  <a16:creationId xmlns:a16="http://schemas.microsoft.com/office/drawing/2014/main" id="{2CE4E132-95C7-A776-B543-627B58B69512}"/>
+                </a:ext>
+              </a:extLst>
+            </p:cNvPr>
+            <p:cNvSpPr txBox="1"/>
+            <p:nvPr/>
+          </p:nvSpPr>
+          <p:spPr>
+            <a:xfrm>
+              <a:off x="2800351" y="1351121"/>
+              <a:ext cx="2157413" cy="369332"/>
+            </a:xfrm>
+            <a:prstGeom prst="rect">
+              <a:avLst/>
+            </a:prstGeom>
+            <a:noFill/>
+          </p:spPr>
+          <p:txBody>
+            <a:bodyPr wrap="square" rtlCol="0">
+              <a:spAutoFit/>
+            </a:bodyPr>
+            <a:lstStyle/>
+            <a:p>
+              <a:pPr algn="ctr"/>
+              <a:r>
+                <a:rPr lang="en-US" dirty="0"/>
+                <a:t>Scientific Coding</a:t>
+              </a:r>
+            </a:p>
+          </p:txBody>
+        </p:sp>
+      </p:grpSp>
+      <p:grpSp>
+        <p:nvGrpSpPr>
+          <p:cNvPr id="12" name="Group 11">
+            <a:extLst>
+              <a:ext uri="{FF2B5EF4-FFF2-40B4-BE49-F238E27FC236}">
+                <a16:creationId xmlns:a16="http://schemas.microsoft.com/office/drawing/2014/main" id="{8C048EDB-6952-BAE1-E4E3-A63B221A7C67}"/>
+              </a:ext>
+            </a:extLst>
+          </p:cNvPr>
+          <p:cNvGrpSpPr/>
+          <p:nvPr/>
+        </p:nvGrpSpPr>
+        <p:grpSpPr>
+          <a:xfrm>
+            <a:off x="7360841" y="1314211"/>
+            <a:ext cx="2568976" cy="642381"/>
+            <a:chOff x="2807893" y="1351121"/>
+            <a:chExt cx="2568976" cy="642381"/>
+          </a:xfrm>
+        </p:grpSpPr>
+        <p:sp>
+          <p:nvSpPr>
+            <p:cNvPr id="13" name="Right Brace 12">
+              <a:extLst>
+                <a:ext uri="{FF2B5EF4-FFF2-40B4-BE49-F238E27FC236}">
+                  <a16:creationId xmlns:a16="http://schemas.microsoft.com/office/drawing/2014/main" id="{23FF4435-993C-D6B2-6CB4-CFB7712EC1D7}"/>
+                </a:ext>
+              </a:extLst>
+            </p:cNvPr>
+            <p:cNvSpPr/>
+            <p:nvPr/>
+          </p:nvSpPr>
+          <p:spPr>
+            <a:xfrm rot="16200000">
+              <a:off x="3974310" y="590944"/>
+              <a:ext cx="236141" cy="2568976"/>
+            </a:xfrm>
+            <a:prstGeom prst="rightBrace">
+              <a:avLst/>
+            </a:prstGeom>
+            <a:ln w="28575"/>
+          </p:spPr>
+          <p:style>
+            <a:lnRef idx="1">
+              <a:schemeClr val="accent1"/>
+            </a:lnRef>
+            <a:fillRef idx="0">
+              <a:schemeClr val="accent1"/>
+            </a:fillRef>
+            <a:effectRef idx="0">
+              <a:schemeClr val="accent1"/>
+            </a:effectRef>
+            <a:fontRef idx="minor">
+              <a:schemeClr val="tx1"/>
+            </a:fontRef>
+          </p:style>
+          <p:txBody>
+            <a:bodyPr rtlCol="0" anchor="ctr"/>
+            <a:lstStyle/>
+            <a:p>
+              <a:pPr algn="ctr"/>
+              <a:endParaRPr lang="en-US" dirty="0"/>
+            </a:p>
+          </p:txBody>
+        </p:sp>
+        <p:sp>
+          <p:nvSpPr>
+            <p:cNvPr id="14" name="TextBox 13">
+              <a:extLst>
+                <a:ext uri="{FF2B5EF4-FFF2-40B4-BE49-F238E27FC236}">
+                  <a16:creationId xmlns:a16="http://schemas.microsoft.com/office/drawing/2014/main" id="{90B765D2-5D12-4E49-14A7-B3E5255D04EE}"/>
+                </a:ext>
+              </a:extLst>
+            </p:cNvPr>
+            <p:cNvSpPr txBox="1"/>
+            <p:nvPr/>
+          </p:nvSpPr>
+          <p:spPr>
+            <a:xfrm>
+              <a:off x="2854922" y="1351121"/>
+              <a:ext cx="2474916" cy="369332"/>
+            </a:xfrm>
+            <a:prstGeom prst="rect">
+              <a:avLst/>
+            </a:prstGeom>
+            <a:noFill/>
+          </p:spPr>
+          <p:txBody>
+            <a:bodyPr wrap="square" rtlCol="0">
+              <a:spAutoFit/>
+            </a:bodyPr>
+            <a:lstStyle/>
+            <a:p>
+              <a:pPr algn="ctr"/>
+              <a:r>
+                <a:rPr lang="en-US" dirty="0"/>
+                <a:t>Package development</a:t>
+              </a:r>
+            </a:p>
+          </p:txBody>
+        </p:sp>
+      </p:grpSp>
     </p:spTree>
     <p:extLst>
       <p:ext uri="{BB962C8B-B14F-4D97-AF65-F5344CB8AC3E}">
-        <p14:creationId xmlns:p14="http://schemas.microsoft.com/office/powerpoint/2010/main" val="354004855"/>
+        <p14:creationId xmlns:p14="http://schemas.microsoft.com/office/powerpoint/2010/main" val="660288845"/>
       </p:ext>
     </p:extLst>
   </p:cSld>
@@ -3554,7 +3786,7 @@
           <p:cNvPr id="2" name="Title 1">
             <a:extLst>
               <a:ext uri="{FF2B5EF4-FFF2-40B4-BE49-F238E27FC236}">
-                <a16:creationId xmlns:a16="http://schemas.microsoft.com/office/drawing/2014/main" id="{73A03AAA-97A7-0F0C-285C-4367309E55B1}"/>
+                <a16:creationId xmlns:a16="http://schemas.microsoft.com/office/drawing/2014/main" id="{4FB9E107-26A5-0844-812B-5AB183056BB6}"/>
               </a:ext>
             </a:extLst>
           </p:cNvPr>
@@ -3572,7 +3804,7 @@
           <a:p>
             <a:r>
               <a:rPr lang="en-US" dirty="0"/>
-              <a:t>Lets get started!</a:t>
+              <a:t>Course content</a:t>
             </a:r>
           </a:p>
         </p:txBody>
@@ -3582,7 +3814,7 @@
           <p:cNvPr id="3" name="Content Placeholder 2">
             <a:extLst>
               <a:ext uri="{FF2B5EF4-FFF2-40B4-BE49-F238E27FC236}">
-                <a16:creationId xmlns:a16="http://schemas.microsoft.com/office/drawing/2014/main" id="{AF73FBDD-8C63-18B9-E223-506EC3142E5A}"/>
+                <a16:creationId xmlns:a16="http://schemas.microsoft.com/office/drawing/2014/main" id="{10AF2000-489B-5279-5E64-8DFF34BCF987}"/>
               </a:ext>
             </a:extLst>
           </p:cNvPr>
@@ -3593,41 +3825,61 @@
             <p:ph idx="1"/>
           </p:nvPr>
         </p:nvSpPr>
-        <p:spPr>
-          <a:xfrm>
-            <a:off x="838200" y="3176510"/>
-            <a:ext cx="10515600" cy="504980"/>
-          </a:xfrm>
-        </p:spPr>
+        <p:spPr/>
         <p:txBody>
           <a:bodyPr/>
           <a:lstStyle/>
           <a:p>
-            <a:pPr algn="ctr"/>
             <a:r>
               <a:rPr lang="en-US" dirty="0"/>
-              <a:t>https://</a:t>
-            </a:r>
-            <a:r>
-              <a:rPr lang="en-US" dirty="0" err="1"/>
-              <a:t>ahmed</a:t>
-            </a:r>
+              <a:t>Course content can be found from the git:</a:t>
+            </a:r>
+          </a:p>
+          <a:p>
+            <a:pPr lvl="1"/>
+            <a:r>
+              <a:rPr lang="en-US" dirty="0">
+                <a:hlinkClick r:id="rId2"/>
+              </a:rPr>
+              <a:t>https://github.com/ahmed-f-alrefaie/UCLPythonCourse</a:t>
+            </a:r>
+            <a:endParaRPr lang="en-US" dirty="0"/>
+          </a:p>
+          <a:p>
+            <a:pPr lvl="1"/>
             <a:r>
               <a:rPr lang="en-US" dirty="0"/>
-              <a:t>-f-</a:t>
-            </a:r>
-            <a:r>
-              <a:rPr lang="en-US" dirty="0" err="1"/>
-              <a:t>alrefaie.github.io</a:t>
-            </a:r>
+              <a:t>git clone </a:t>
+            </a:r>
+            <a:r>
+              <a:rPr lang="en-US" dirty="0">
+                <a:hlinkClick r:id="rId3"/>
+              </a:rPr>
+              <a:t>https://github.com/ahmed-f-alrefaie/UCLPythonCourse.git</a:t>
+            </a:r>
+            <a:endParaRPr lang="en-US" dirty="0"/>
+          </a:p>
+          <a:p>
             <a:r>
               <a:rPr lang="en-US" dirty="0"/>
-              <a:t>/</a:t>
-            </a:r>
-            <a:r>
-              <a:rPr lang="en-US" dirty="0" err="1"/>
-              <a:t>UCLPythonCourse</a:t>
-            </a:r>
+              <a:t>Notebooks are under </a:t>
+            </a:r>
+            <a:r>
+              <a:rPr lang="en-US" i="1" dirty="0"/>
+              <a:t>content/notebooks</a:t>
+            </a:r>
+          </a:p>
+          <a:p>
+            <a:r>
+              <a:rPr lang="en-US" dirty="0"/>
+              <a:t>Lecture notes are under </a:t>
+            </a:r>
+            <a:r>
+              <a:rPr lang="en-US" i="1" dirty="0"/>
+              <a:t>content/lectures</a:t>
+            </a:r>
+          </a:p>
+          <a:p>
             <a:endParaRPr lang="en-US" dirty="0"/>
           </a:p>
         </p:txBody>
@@ -3635,13 +3887,255 @@
     </p:spTree>
     <p:extLst>
       <p:ext uri="{BB962C8B-B14F-4D97-AF65-F5344CB8AC3E}">
-        <p14:creationId xmlns:p14="http://schemas.microsoft.com/office/powerpoint/2010/main" val="2932289174"/>
+        <p14:creationId xmlns:p14="http://schemas.microsoft.com/office/powerpoint/2010/main" val="354004855"/>
       </p:ext>
     </p:extLst>
   </p:cSld>
   <p:clrMapOvr>
     <a:masterClrMapping/>
   </p:clrMapOvr>
+  <p:timing>
+    <p:tnLst>
+      <p:par>
+        <p:cTn id="1" dur="indefinite" restart="never" nodeType="tmRoot">
+          <p:childTnLst>
+            <p:seq concurrent="1" nextAc="seek">
+              <p:cTn id="2" dur="indefinite" nodeType="mainSeq">
+                <p:childTnLst>
+                  <p:par>
+                    <p:cTn id="3" fill="hold">
+                      <p:stCondLst>
+                        <p:cond delay="indefinite"/>
+                      </p:stCondLst>
+                      <p:childTnLst>
+                        <p:par>
+                          <p:cTn id="4" fill="hold">
+                            <p:stCondLst>
+                              <p:cond delay="0"/>
+                            </p:stCondLst>
+                            <p:childTnLst>
+                              <p:par>
+                                <p:cTn id="5" presetID="1" presetClass="entr" presetSubtype="0" fill="hold" grpId="0" nodeType="clickEffect">
+                                  <p:stCondLst>
+                                    <p:cond delay="0"/>
+                                  </p:stCondLst>
+                                  <p:childTnLst>
+                                    <p:set>
+                                      <p:cBhvr>
+                                        <p:cTn id="6" dur="1" fill="hold">
+                                          <p:stCondLst>
+                                            <p:cond delay="0"/>
+                                          </p:stCondLst>
+                                        </p:cTn>
+                                        <p:tgtEl>
+                                          <p:spTgt spid="3">
+                                            <p:txEl>
+                                              <p:pRg st="0" end="0"/>
+                                            </p:txEl>
+                                          </p:spTgt>
+                                        </p:tgtEl>
+                                        <p:attrNameLst>
+                                          <p:attrName>style.visibility</p:attrName>
+                                        </p:attrNameLst>
+                                      </p:cBhvr>
+                                      <p:to>
+                                        <p:strVal val="visible"/>
+                                      </p:to>
+                                    </p:set>
+                                  </p:childTnLst>
+                                </p:cTn>
+                              </p:par>
+                              <p:par>
+                                <p:cTn id="7" presetID="1" presetClass="entr" presetSubtype="0" fill="hold" grpId="0" nodeType="withEffect">
+                                  <p:stCondLst>
+                                    <p:cond delay="0"/>
+                                  </p:stCondLst>
+                                  <p:childTnLst>
+                                    <p:set>
+                                      <p:cBhvr>
+                                        <p:cTn id="8" dur="1" fill="hold">
+                                          <p:stCondLst>
+                                            <p:cond delay="0"/>
+                                          </p:stCondLst>
+                                        </p:cTn>
+                                        <p:tgtEl>
+                                          <p:spTgt spid="3">
+                                            <p:txEl>
+                                              <p:pRg st="1" end="1"/>
+                                            </p:txEl>
+                                          </p:spTgt>
+                                        </p:tgtEl>
+                                        <p:attrNameLst>
+                                          <p:attrName>style.visibility</p:attrName>
+                                        </p:attrNameLst>
+                                      </p:cBhvr>
+                                      <p:to>
+                                        <p:strVal val="visible"/>
+                                      </p:to>
+                                    </p:set>
+                                  </p:childTnLst>
+                                </p:cTn>
+                              </p:par>
+                              <p:par>
+                                <p:cTn id="9" presetID="1" presetClass="entr" presetSubtype="0" fill="hold" grpId="0" nodeType="withEffect">
+                                  <p:stCondLst>
+                                    <p:cond delay="0"/>
+                                  </p:stCondLst>
+                                  <p:childTnLst>
+                                    <p:set>
+                                      <p:cBhvr>
+                                        <p:cTn id="10" dur="1" fill="hold">
+                                          <p:stCondLst>
+                                            <p:cond delay="0"/>
+                                          </p:stCondLst>
+                                        </p:cTn>
+                                        <p:tgtEl>
+                                          <p:spTgt spid="3">
+                                            <p:txEl>
+                                              <p:pRg st="2" end="2"/>
+                                            </p:txEl>
+                                          </p:spTgt>
+                                        </p:tgtEl>
+                                        <p:attrNameLst>
+                                          <p:attrName>style.visibility</p:attrName>
+                                        </p:attrNameLst>
+                                      </p:cBhvr>
+                                      <p:to>
+                                        <p:strVal val="visible"/>
+                                      </p:to>
+                                    </p:set>
+                                  </p:childTnLst>
+                                </p:cTn>
+                              </p:par>
+                            </p:childTnLst>
+                          </p:cTn>
+                        </p:par>
+                      </p:childTnLst>
+                    </p:cTn>
+                  </p:par>
+                  <p:par>
+                    <p:cTn id="11" fill="hold">
+                      <p:stCondLst>
+                        <p:cond delay="indefinite"/>
+                      </p:stCondLst>
+                      <p:childTnLst>
+                        <p:par>
+                          <p:cTn id="12" fill="hold">
+                            <p:stCondLst>
+                              <p:cond delay="0"/>
+                            </p:stCondLst>
+                            <p:childTnLst>
+                              <p:par>
+                                <p:cTn id="13" presetID="1" presetClass="entr" presetSubtype="0" fill="hold" grpId="0" nodeType="clickEffect">
+                                  <p:stCondLst>
+                                    <p:cond delay="0"/>
+                                  </p:stCondLst>
+                                  <p:childTnLst>
+                                    <p:set>
+                                      <p:cBhvr>
+                                        <p:cTn id="14" dur="1" fill="hold">
+                                          <p:stCondLst>
+                                            <p:cond delay="0"/>
+                                          </p:stCondLst>
+                                        </p:cTn>
+                                        <p:tgtEl>
+                                          <p:spTgt spid="3">
+                                            <p:txEl>
+                                              <p:pRg st="3" end="3"/>
+                                            </p:txEl>
+                                          </p:spTgt>
+                                        </p:tgtEl>
+                                        <p:attrNameLst>
+                                          <p:attrName>style.visibility</p:attrName>
+                                        </p:attrNameLst>
+                                      </p:cBhvr>
+                                      <p:to>
+                                        <p:strVal val="visible"/>
+                                      </p:to>
+                                    </p:set>
+                                  </p:childTnLst>
+                                </p:cTn>
+                              </p:par>
+                            </p:childTnLst>
+                          </p:cTn>
+                        </p:par>
+                      </p:childTnLst>
+                    </p:cTn>
+                  </p:par>
+                  <p:par>
+                    <p:cTn id="15" fill="hold">
+                      <p:stCondLst>
+                        <p:cond delay="indefinite"/>
+                      </p:stCondLst>
+                      <p:childTnLst>
+                        <p:par>
+                          <p:cTn id="16" fill="hold">
+                            <p:stCondLst>
+                              <p:cond delay="0"/>
+                            </p:stCondLst>
+                            <p:childTnLst>
+                              <p:par>
+                                <p:cTn id="17" presetID="1" presetClass="entr" presetSubtype="0" fill="hold" grpId="0" nodeType="clickEffect">
+                                  <p:stCondLst>
+                                    <p:cond delay="0"/>
+                                  </p:stCondLst>
+                                  <p:childTnLst>
+                                    <p:set>
+                                      <p:cBhvr>
+                                        <p:cTn id="18" dur="1" fill="hold">
+                                          <p:stCondLst>
+                                            <p:cond delay="0"/>
+                                          </p:stCondLst>
+                                        </p:cTn>
+                                        <p:tgtEl>
+                                          <p:spTgt spid="3">
+                                            <p:txEl>
+                                              <p:pRg st="4" end="4"/>
+                                            </p:txEl>
+                                          </p:spTgt>
+                                        </p:tgtEl>
+                                        <p:attrNameLst>
+                                          <p:attrName>style.visibility</p:attrName>
+                                        </p:attrNameLst>
+                                      </p:cBhvr>
+                                      <p:to>
+                                        <p:strVal val="visible"/>
+                                      </p:to>
+                                    </p:set>
+                                  </p:childTnLst>
+                                </p:cTn>
+                              </p:par>
+                            </p:childTnLst>
+                          </p:cTn>
+                        </p:par>
+                      </p:childTnLst>
+                    </p:cTn>
+                  </p:par>
+                </p:childTnLst>
+              </p:cTn>
+              <p:prevCondLst>
+                <p:cond evt="onPrev" delay="0">
+                  <p:tgtEl>
+                    <p:sldTgt/>
+                  </p:tgtEl>
+                </p:cond>
+              </p:prevCondLst>
+              <p:nextCondLst>
+                <p:cond evt="onNext" delay="0">
+                  <p:tgtEl>
+                    <p:sldTgt/>
+                  </p:tgtEl>
+                </p:cond>
+              </p:nextCondLst>
+            </p:seq>
+          </p:childTnLst>
+        </p:cTn>
+      </p:par>
+    </p:tnLst>
+    <p:bldLst>
+      <p:bldP spid="3" grpId="0" build="p"/>
+    </p:bldLst>
+  </p:timing>
 </p:sld>
 </file>
 
@@ -3667,7 +4161,7 @@
           <p:cNvPr id="2" name="Title 1">
             <a:extLst>
               <a:ext uri="{FF2B5EF4-FFF2-40B4-BE49-F238E27FC236}">
-                <a16:creationId xmlns:a16="http://schemas.microsoft.com/office/drawing/2014/main" id="{844E2610-17FC-D5B9-ED3F-F270F02299EF}"/>
+                <a16:creationId xmlns:a16="http://schemas.microsoft.com/office/drawing/2014/main" id="{73A03AAA-97A7-0F0C-285C-4367309E55B1}"/>
               </a:ext>
             </a:extLst>
           </p:cNvPr>
@@ -3685,7 +4179,7 @@
           <a:p>
             <a:r>
               <a:rPr lang="en-US" dirty="0"/>
-              <a:t>Course</a:t>
+              <a:t>Lets get started!</a:t>
             </a:r>
           </a:p>
         </p:txBody>
@@ -3695,7 +4189,7 @@
           <p:cNvPr id="3" name="Content Placeholder 2">
             <a:extLst>
               <a:ext uri="{FF2B5EF4-FFF2-40B4-BE49-F238E27FC236}">
-                <a16:creationId xmlns:a16="http://schemas.microsoft.com/office/drawing/2014/main" id="{8BFDC173-7363-9608-20F3-046E9C515A4D}"/>
+                <a16:creationId xmlns:a16="http://schemas.microsoft.com/office/drawing/2014/main" id="{AF73FBDD-8C63-18B9-E223-506EC3142E5A}"/>
               </a:ext>
             </a:extLst>
           </p:cNvPr>
@@ -3706,19 +4200,49 @@
             <p:ph idx="1"/>
           </p:nvPr>
         </p:nvSpPr>
-        <p:spPr/>
+        <p:spPr>
+          <a:xfrm>
+            <a:off x="838200" y="3176510"/>
+            <a:ext cx="10515600" cy="504980"/>
+          </a:xfrm>
+        </p:spPr>
         <p:txBody>
           <a:bodyPr/>
           <a:lstStyle/>
           <a:p>
-            <a:endParaRPr lang="en-US"/>
+            <a:pPr algn="ctr"/>
+            <a:r>
+              <a:rPr lang="en-US" dirty="0"/>
+              <a:t>https://</a:t>
+            </a:r>
+            <a:r>
+              <a:rPr lang="en-US" dirty="0" err="1"/>
+              <a:t>ahmed</a:t>
+            </a:r>
+            <a:r>
+              <a:rPr lang="en-US" dirty="0"/>
+              <a:t>-f-</a:t>
+            </a:r>
+            <a:r>
+              <a:rPr lang="en-US" dirty="0" err="1"/>
+              <a:t>alrefaie.github.io</a:t>
+            </a:r>
+            <a:r>
+              <a:rPr lang="en-US" dirty="0"/>
+              <a:t>/</a:t>
+            </a:r>
+            <a:r>
+              <a:rPr lang="en-US" dirty="0" err="1"/>
+              <a:t>UCLPythonCourse</a:t>
+            </a:r>
+            <a:endParaRPr lang="en-US" dirty="0"/>
           </a:p>
         </p:txBody>
       </p:sp>
     </p:spTree>
     <p:extLst>
       <p:ext uri="{BB962C8B-B14F-4D97-AF65-F5344CB8AC3E}">
-        <p14:creationId xmlns:p14="http://schemas.microsoft.com/office/powerpoint/2010/main" val="516945104"/>
+        <p14:creationId xmlns:p14="http://schemas.microsoft.com/office/powerpoint/2010/main" val="2932289174"/>
       </p:ext>
     </p:extLst>
   </p:cSld>
@@ -3885,6 +4409,329 @@
   <p:clrMapOvr>
     <a:masterClrMapping/>
   </p:clrMapOvr>
+  <p:timing>
+    <p:tnLst>
+      <p:par>
+        <p:cTn id="1" dur="indefinite" restart="never" nodeType="tmRoot">
+          <p:childTnLst>
+            <p:seq concurrent="1" nextAc="seek">
+              <p:cTn id="2" dur="indefinite" nodeType="mainSeq">
+                <p:childTnLst>
+                  <p:par>
+                    <p:cTn id="3" fill="hold">
+                      <p:stCondLst>
+                        <p:cond delay="indefinite"/>
+                      </p:stCondLst>
+                      <p:childTnLst>
+                        <p:par>
+                          <p:cTn id="4" fill="hold">
+                            <p:stCondLst>
+                              <p:cond delay="0"/>
+                            </p:stCondLst>
+                            <p:childTnLst>
+                              <p:par>
+                                <p:cTn id="5" presetID="1" presetClass="entr" presetSubtype="0" fill="hold" grpId="0" nodeType="clickEffect">
+                                  <p:stCondLst>
+                                    <p:cond delay="0"/>
+                                  </p:stCondLst>
+                                  <p:childTnLst>
+                                    <p:set>
+                                      <p:cBhvr>
+                                        <p:cTn id="6" dur="1" fill="hold">
+                                          <p:stCondLst>
+                                            <p:cond delay="0"/>
+                                          </p:stCondLst>
+                                        </p:cTn>
+                                        <p:tgtEl>
+                                          <p:spTgt spid="3">
+                                            <p:txEl>
+                                              <p:pRg st="0" end="0"/>
+                                            </p:txEl>
+                                          </p:spTgt>
+                                        </p:tgtEl>
+                                        <p:attrNameLst>
+                                          <p:attrName>style.visibility</p:attrName>
+                                        </p:attrNameLst>
+                                      </p:cBhvr>
+                                      <p:to>
+                                        <p:strVal val="visible"/>
+                                      </p:to>
+                                    </p:set>
+                                  </p:childTnLst>
+                                </p:cTn>
+                              </p:par>
+                            </p:childTnLst>
+                          </p:cTn>
+                        </p:par>
+                      </p:childTnLst>
+                    </p:cTn>
+                  </p:par>
+                  <p:par>
+                    <p:cTn id="7" fill="hold">
+                      <p:stCondLst>
+                        <p:cond delay="indefinite"/>
+                      </p:stCondLst>
+                      <p:childTnLst>
+                        <p:par>
+                          <p:cTn id="8" fill="hold">
+                            <p:stCondLst>
+                              <p:cond delay="0"/>
+                            </p:stCondLst>
+                            <p:childTnLst>
+                              <p:par>
+                                <p:cTn id="9" presetID="1" presetClass="entr" presetSubtype="0" fill="hold" nodeType="clickEffect">
+                                  <p:stCondLst>
+                                    <p:cond delay="0"/>
+                                  </p:stCondLst>
+                                  <p:childTnLst>
+                                    <p:set>
+                                      <p:cBhvr>
+                                        <p:cTn id="10" dur="1" fill="hold">
+                                          <p:stCondLst>
+                                            <p:cond delay="0"/>
+                                          </p:stCondLst>
+                                        </p:cTn>
+                                        <p:tgtEl>
+                                          <p:spTgt spid="1026"/>
+                                        </p:tgtEl>
+                                        <p:attrNameLst>
+                                          <p:attrName>style.visibility</p:attrName>
+                                        </p:attrNameLst>
+                                      </p:cBhvr>
+                                      <p:to>
+                                        <p:strVal val="visible"/>
+                                      </p:to>
+                                    </p:set>
+                                  </p:childTnLst>
+                                </p:cTn>
+                              </p:par>
+                            </p:childTnLst>
+                          </p:cTn>
+                        </p:par>
+                      </p:childTnLst>
+                    </p:cTn>
+                  </p:par>
+                  <p:par>
+                    <p:cTn id="11" fill="hold">
+                      <p:stCondLst>
+                        <p:cond delay="indefinite"/>
+                      </p:stCondLst>
+                      <p:childTnLst>
+                        <p:par>
+                          <p:cTn id="12" fill="hold">
+                            <p:stCondLst>
+                              <p:cond delay="0"/>
+                            </p:stCondLst>
+                            <p:childTnLst>
+                              <p:par>
+                                <p:cTn id="13" presetID="1" presetClass="entr" presetSubtype="0" fill="hold" grpId="0" nodeType="clickEffect">
+                                  <p:stCondLst>
+                                    <p:cond delay="0"/>
+                                  </p:stCondLst>
+                                  <p:childTnLst>
+                                    <p:set>
+                                      <p:cBhvr>
+                                        <p:cTn id="14" dur="1" fill="hold">
+                                          <p:stCondLst>
+                                            <p:cond delay="0"/>
+                                          </p:stCondLst>
+                                        </p:cTn>
+                                        <p:tgtEl>
+                                          <p:spTgt spid="3">
+                                            <p:txEl>
+                                              <p:pRg st="1" end="1"/>
+                                            </p:txEl>
+                                          </p:spTgt>
+                                        </p:tgtEl>
+                                        <p:attrNameLst>
+                                          <p:attrName>style.visibility</p:attrName>
+                                        </p:attrNameLst>
+                                      </p:cBhvr>
+                                      <p:to>
+                                        <p:strVal val="visible"/>
+                                      </p:to>
+                                    </p:set>
+                                  </p:childTnLst>
+                                </p:cTn>
+                              </p:par>
+                            </p:childTnLst>
+                          </p:cTn>
+                        </p:par>
+                      </p:childTnLst>
+                    </p:cTn>
+                  </p:par>
+                  <p:par>
+                    <p:cTn id="15" fill="hold">
+                      <p:stCondLst>
+                        <p:cond delay="indefinite"/>
+                      </p:stCondLst>
+                      <p:childTnLst>
+                        <p:par>
+                          <p:cTn id="16" fill="hold">
+                            <p:stCondLst>
+                              <p:cond delay="0"/>
+                            </p:stCondLst>
+                            <p:childTnLst>
+                              <p:par>
+                                <p:cTn id="17" presetID="1" presetClass="entr" presetSubtype="0" fill="hold" grpId="0" nodeType="clickEffect">
+                                  <p:stCondLst>
+                                    <p:cond delay="0"/>
+                                  </p:stCondLst>
+                                  <p:childTnLst>
+                                    <p:set>
+                                      <p:cBhvr>
+                                        <p:cTn id="18" dur="1" fill="hold">
+                                          <p:stCondLst>
+                                            <p:cond delay="0"/>
+                                          </p:stCondLst>
+                                        </p:cTn>
+                                        <p:tgtEl>
+                                          <p:spTgt spid="3">
+                                            <p:txEl>
+                                              <p:pRg st="2" end="2"/>
+                                            </p:txEl>
+                                          </p:spTgt>
+                                        </p:tgtEl>
+                                        <p:attrNameLst>
+                                          <p:attrName>style.visibility</p:attrName>
+                                        </p:attrNameLst>
+                                      </p:cBhvr>
+                                      <p:to>
+                                        <p:strVal val="visible"/>
+                                      </p:to>
+                                    </p:set>
+                                  </p:childTnLst>
+                                </p:cTn>
+                              </p:par>
+                            </p:childTnLst>
+                          </p:cTn>
+                        </p:par>
+                      </p:childTnLst>
+                    </p:cTn>
+                  </p:par>
+                  <p:par>
+                    <p:cTn id="19" fill="hold">
+                      <p:stCondLst>
+                        <p:cond delay="indefinite"/>
+                      </p:stCondLst>
+                      <p:childTnLst>
+                        <p:par>
+                          <p:cTn id="20" fill="hold">
+                            <p:stCondLst>
+                              <p:cond delay="0"/>
+                            </p:stCondLst>
+                            <p:childTnLst>
+                              <p:par>
+                                <p:cTn id="21" presetID="1" presetClass="entr" presetSubtype="0" fill="hold" grpId="0" nodeType="clickEffect">
+                                  <p:stCondLst>
+                                    <p:cond delay="0"/>
+                                  </p:stCondLst>
+                                  <p:childTnLst>
+                                    <p:set>
+                                      <p:cBhvr>
+                                        <p:cTn id="22" dur="1" fill="hold">
+                                          <p:stCondLst>
+                                            <p:cond delay="0"/>
+                                          </p:stCondLst>
+                                        </p:cTn>
+                                        <p:tgtEl>
+                                          <p:spTgt spid="3">
+                                            <p:txEl>
+                                              <p:pRg st="3" end="3"/>
+                                            </p:txEl>
+                                          </p:spTgt>
+                                        </p:tgtEl>
+                                        <p:attrNameLst>
+                                          <p:attrName>style.visibility</p:attrName>
+                                        </p:attrNameLst>
+                                      </p:cBhvr>
+                                      <p:to>
+                                        <p:strVal val="visible"/>
+                                      </p:to>
+                                    </p:set>
+                                  </p:childTnLst>
+                                </p:cTn>
+                              </p:par>
+                            </p:childTnLst>
+                          </p:cTn>
+                        </p:par>
+                      </p:childTnLst>
+                    </p:cTn>
+                  </p:par>
+                  <p:par>
+                    <p:cTn id="23" fill="hold">
+                      <p:stCondLst>
+                        <p:cond delay="indefinite"/>
+                      </p:stCondLst>
+                      <p:childTnLst>
+                        <p:par>
+                          <p:cTn id="24" fill="hold">
+                            <p:stCondLst>
+                              <p:cond delay="0"/>
+                            </p:stCondLst>
+                            <p:childTnLst>
+                              <p:par>
+                                <p:cTn id="25" presetID="1" presetClass="entr" presetSubtype="0" fill="hold" grpId="0" nodeType="clickEffect">
+                                  <p:stCondLst>
+                                    <p:cond delay="0"/>
+                                  </p:stCondLst>
+                                  <p:childTnLst>
+                                    <p:set>
+                                      <p:cBhvr>
+                                        <p:cTn id="26" dur="1" fill="hold">
+                                          <p:stCondLst>
+                                            <p:cond delay="0"/>
+                                          </p:stCondLst>
+                                        </p:cTn>
+                                        <p:tgtEl>
+                                          <p:spTgt spid="3">
+                                            <p:txEl>
+                                              <p:pRg st="4" end="4"/>
+                                            </p:txEl>
+                                          </p:spTgt>
+                                        </p:tgtEl>
+                                        <p:attrNameLst>
+                                          <p:attrName>style.visibility</p:attrName>
+                                        </p:attrNameLst>
+                                      </p:cBhvr>
+                                      <p:to>
+                                        <p:strVal val="visible"/>
+                                      </p:to>
+                                    </p:set>
+                                  </p:childTnLst>
+                                </p:cTn>
+                              </p:par>
+                            </p:childTnLst>
+                          </p:cTn>
+                        </p:par>
+                      </p:childTnLst>
+                    </p:cTn>
+                  </p:par>
+                </p:childTnLst>
+              </p:cTn>
+              <p:prevCondLst>
+                <p:cond evt="onPrev" delay="0">
+                  <p:tgtEl>
+                    <p:sldTgt/>
+                  </p:tgtEl>
+                </p:cond>
+              </p:prevCondLst>
+              <p:nextCondLst>
+                <p:cond evt="onNext" delay="0">
+                  <p:tgtEl>
+                    <p:sldTgt/>
+                  </p:tgtEl>
+                </p:cond>
+              </p:nextCondLst>
+            </p:seq>
+          </p:childTnLst>
+        </p:cTn>
+      </p:par>
+    </p:tnLst>
+    <p:bldLst>
+      <p:bldP spid="3" grpId="0" uiExpand="1" build="p"/>
+    </p:bldLst>
+  </p:timing>
 </p:sld>
 </file>
 
@@ -4094,6 +4941,385 @@
   <p:clrMapOvr>
     <a:masterClrMapping/>
   </p:clrMapOvr>
+  <p:timing>
+    <p:tnLst>
+      <p:par>
+        <p:cTn id="1" dur="indefinite" restart="never" nodeType="tmRoot">
+          <p:childTnLst>
+            <p:seq concurrent="1" nextAc="seek">
+              <p:cTn id="2" dur="indefinite" nodeType="mainSeq">
+                <p:childTnLst>
+                  <p:par>
+                    <p:cTn id="3" fill="hold">
+                      <p:stCondLst>
+                        <p:cond delay="indefinite"/>
+                      </p:stCondLst>
+                      <p:childTnLst>
+                        <p:par>
+                          <p:cTn id="4" fill="hold">
+                            <p:stCondLst>
+                              <p:cond delay="0"/>
+                            </p:stCondLst>
+                            <p:childTnLst>
+                              <p:par>
+                                <p:cTn id="5" presetID="1" presetClass="entr" presetSubtype="0" fill="hold" grpId="0" nodeType="clickEffect">
+                                  <p:stCondLst>
+                                    <p:cond delay="0"/>
+                                  </p:stCondLst>
+                                  <p:childTnLst>
+                                    <p:set>
+                                      <p:cBhvr>
+                                        <p:cTn id="6" dur="1" fill="hold">
+                                          <p:stCondLst>
+                                            <p:cond delay="0"/>
+                                          </p:stCondLst>
+                                        </p:cTn>
+                                        <p:tgtEl>
+                                          <p:spTgt spid="3">
+                                            <p:txEl>
+                                              <p:pRg st="0" end="0"/>
+                                            </p:txEl>
+                                          </p:spTgt>
+                                        </p:tgtEl>
+                                        <p:attrNameLst>
+                                          <p:attrName>style.visibility</p:attrName>
+                                        </p:attrNameLst>
+                                      </p:cBhvr>
+                                      <p:to>
+                                        <p:strVal val="visible"/>
+                                      </p:to>
+                                    </p:set>
+                                  </p:childTnLst>
+                                </p:cTn>
+                              </p:par>
+                              <p:par>
+                                <p:cTn id="7" presetID="1" presetClass="entr" presetSubtype="0" fill="hold" grpId="0" nodeType="withEffect">
+                                  <p:stCondLst>
+                                    <p:cond delay="0"/>
+                                  </p:stCondLst>
+                                  <p:childTnLst>
+                                    <p:set>
+                                      <p:cBhvr>
+                                        <p:cTn id="8" dur="1" fill="hold">
+                                          <p:stCondLst>
+                                            <p:cond delay="0"/>
+                                          </p:stCondLst>
+                                        </p:cTn>
+                                        <p:tgtEl>
+                                          <p:spTgt spid="3">
+                                            <p:txEl>
+                                              <p:pRg st="1" end="1"/>
+                                            </p:txEl>
+                                          </p:spTgt>
+                                        </p:tgtEl>
+                                        <p:attrNameLst>
+                                          <p:attrName>style.visibility</p:attrName>
+                                        </p:attrNameLst>
+                                      </p:cBhvr>
+                                      <p:to>
+                                        <p:strVal val="visible"/>
+                                      </p:to>
+                                    </p:set>
+                                  </p:childTnLst>
+                                </p:cTn>
+                              </p:par>
+                              <p:par>
+                                <p:cTn id="9" presetID="1" presetClass="entr" presetSubtype="0" fill="hold" grpId="0" nodeType="withEffect">
+                                  <p:stCondLst>
+                                    <p:cond delay="0"/>
+                                  </p:stCondLst>
+                                  <p:childTnLst>
+                                    <p:set>
+                                      <p:cBhvr>
+                                        <p:cTn id="10" dur="1" fill="hold">
+                                          <p:stCondLst>
+                                            <p:cond delay="0"/>
+                                          </p:stCondLst>
+                                        </p:cTn>
+                                        <p:tgtEl>
+                                          <p:spTgt spid="3">
+                                            <p:txEl>
+                                              <p:pRg st="2" end="2"/>
+                                            </p:txEl>
+                                          </p:spTgt>
+                                        </p:tgtEl>
+                                        <p:attrNameLst>
+                                          <p:attrName>style.visibility</p:attrName>
+                                        </p:attrNameLst>
+                                      </p:cBhvr>
+                                      <p:to>
+                                        <p:strVal val="visible"/>
+                                      </p:to>
+                                    </p:set>
+                                  </p:childTnLst>
+                                </p:cTn>
+                              </p:par>
+                            </p:childTnLst>
+                          </p:cTn>
+                        </p:par>
+                      </p:childTnLst>
+                    </p:cTn>
+                  </p:par>
+                  <p:par>
+                    <p:cTn id="11" fill="hold">
+                      <p:stCondLst>
+                        <p:cond delay="indefinite"/>
+                      </p:stCondLst>
+                      <p:childTnLst>
+                        <p:par>
+                          <p:cTn id="12" fill="hold">
+                            <p:stCondLst>
+                              <p:cond delay="0"/>
+                            </p:stCondLst>
+                            <p:childTnLst>
+                              <p:par>
+                                <p:cTn id="13" presetID="1" presetClass="entr" presetSubtype="0" fill="hold" grpId="0" nodeType="clickEffect">
+                                  <p:stCondLst>
+                                    <p:cond delay="0"/>
+                                  </p:stCondLst>
+                                  <p:childTnLst>
+                                    <p:set>
+                                      <p:cBhvr>
+                                        <p:cTn id="14" dur="1" fill="hold">
+                                          <p:stCondLst>
+                                            <p:cond delay="0"/>
+                                          </p:stCondLst>
+                                        </p:cTn>
+                                        <p:tgtEl>
+                                          <p:spTgt spid="3">
+                                            <p:txEl>
+                                              <p:pRg st="3" end="3"/>
+                                            </p:txEl>
+                                          </p:spTgt>
+                                        </p:tgtEl>
+                                        <p:attrNameLst>
+                                          <p:attrName>style.visibility</p:attrName>
+                                        </p:attrNameLst>
+                                      </p:cBhvr>
+                                      <p:to>
+                                        <p:strVal val="visible"/>
+                                      </p:to>
+                                    </p:set>
+                                  </p:childTnLst>
+                                </p:cTn>
+                              </p:par>
+                              <p:par>
+                                <p:cTn id="15" presetID="1" presetClass="entr" presetSubtype="0" fill="hold" grpId="0" nodeType="withEffect">
+                                  <p:stCondLst>
+                                    <p:cond delay="0"/>
+                                  </p:stCondLst>
+                                  <p:childTnLst>
+                                    <p:set>
+                                      <p:cBhvr>
+                                        <p:cTn id="16" dur="1" fill="hold">
+                                          <p:stCondLst>
+                                            <p:cond delay="0"/>
+                                          </p:stCondLst>
+                                        </p:cTn>
+                                        <p:tgtEl>
+                                          <p:spTgt spid="3">
+                                            <p:txEl>
+                                              <p:pRg st="4" end="4"/>
+                                            </p:txEl>
+                                          </p:spTgt>
+                                        </p:tgtEl>
+                                        <p:attrNameLst>
+                                          <p:attrName>style.visibility</p:attrName>
+                                        </p:attrNameLst>
+                                      </p:cBhvr>
+                                      <p:to>
+                                        <p:strVal val="visible"/>
+                                      </p:to>
+                                    </p:set>
+                                  </p:childTnLst>
+                                </p:cTn>
+                              </p:par>
+                              <p:par>
+                                <p:cTn id="17" presetID="1" presetClass="entr" presetSubtype="0" fill="hold" grpId="0" nodeType="withEffect">
+                                  <p:stCondLst>
+                                    <p:cond delay="0"/>
+                                  </p:stCondLst>
+                                  <p:childTnLst>
+                                    <p:set>
+                                      <p:cBhvr>
+                                        <p:cTn id="18" dur="1" fill="hold">
+                                          <p:stCondLst>
+                                            <p:cond delay="0"/>
+                                          </p:stCondLst>
+                                        </p:cTn>
+                                        <p:tgtEl>
+                                          <p:spTgt spid="3">
+                                            <p:txEl>
+                                              <p:pRg st="5" end="5"/>
+                                            </p:txEl>
+                                          </p:spTgt>
+                                        </p:tgtEl>
+                                        <p:attrNameLst>
+                                          <p:attrName>style.visibility</p:attrName>
+                                        </p:attrNameLst>
+                                      </p:cBhvr>
+                                      <p:to>
+                                        <p:strVal val="visible"/>
+                                      </p:to>
+                                    </p:set>
+                                  </p:childTnLst>
+                                </p:cTn>
+                              </p:par>
+                              <p:par>
+                                <p:cTn id="19" presetID="1" presetClass="entr" presetSubtype="0" fill="hold" grpId="0" nodeType="withEffect">
+                                  <p:stCondLst>
+                                    <p:cond delay="0"/>
+                                  </p:stCondLst>
+                                  <p:childTnLst>
+                                    <p:set>
+                                      <p:cBhvr>
+                                        <p:cTn id="20" dur="1" fill="hold">
+                                          <p:stCondLst>
+                                            <p:cond delay="0"/>
+                                          </p:stCondLst>
+                                        </p:cTn>
+                                        <p:tgtEl>
+                                          <p:spTgt spid="3">
+                                            <p:txEl>
+                                              <p:pRg st="6" end="6"/>
+                                            </p:txEl>
+                                          </p:spTgt>
+                                        </p:tgtEl>
+                                        <p:attrNameLst>
+                                          <p:attrName>style.visibility</p:attrName>
+                                        </p:attrNameLst>
+                                      </p:cBhvr>
+                                      <p:to>
+                                        <p:strVal val="visible"/>
+                                      </p:to>
+                                    </p:set>
+                                  </p:childTnLst>
+                                </p:cTn>
+                              </p:par>
+                              <p:par>
+                                <p:cTn id="21" presetID="1" presetClass="entr" presetSubtype="0" fill="hold" grpId="0" nodeType="withEffect">
+                                  <p:stCondLst>
+                                    <p:cond delay="0"/>
+                                  </p:stCondLst>
+                                  <p:childTnLst>
+                                    <p:set>
+                                      <p:cBhvr>
+                                        <p:cTn id="22" dur="1" fill="hold">
+                                          <p:stCondLst>
+                                            <p:cond delay="0"/>
+                                          </p:stCondLst>
+                                        </p:cTn>
+                                        <p:tgtEl>
+                                          <p:spTgt spid="3">
+                                            <p:txEl>
+                                              <p:pRg st="7" end="7"/>
+                                            </p:txEl>
+                                          </p:spTgt>
+                                        </p:tgtEl>
+                                        <p:attrNameLst>
+                                          <p:attrName>style.visibility</p:attrName>
+                                        </p:attrNameLst>
+                                      </p:cBhvr>
+                                      <p:to>
+                                        <p:strVal val="visible"/>
+                                      </p:to>
+                                    </p:set>
+                                  </p:childTnLst>
+                                </p:cTn>
+                              </p:par>
+                              <p:par>
+                                <p:cTn id="23" presetID="1" presetClass="entr" presetSubtype="0" fill="hold" grpId="0" nodeType="withEffect">
+                                  <p:stCondLst>
+                                    <p:cond delay="0"/>
+                                  </p:stCondLst>
+                                  <p:childTnLst>
+                                    <p:set>
+                                      <p:cBhvr>
+                                        <p:cTn id="24" dur="1" fill="hold">
+                                          <p:stCondLst>
+                                            <p:cond delay="0"/>
+                                          </p:stCondLst>
+                                        </p:cTn>
+                                        <p:tgtEl>
+                                          <p:spTgt spid="3">
+                                            <p:txEl>
+                                              <p:pRg st="8" end="8"/>
+                                            </p:txEl>
+                                          </p:spTgt>
+                                        </p:tgtEl>
+                                        <p:attrNameLst>
+                                          <p:attrName>style.visibility</p:attrName>
+                                        </p:attrNameLst>
+                                      </p:cBhvr>
+                                      <p:to>
+                                        <p:strVal val="visible"/>
+                                      </p:to>
+                                    </p:set>
+                                  </p:childTnLst>
+                                </p:cTn>
+                              </p:par>
+                              <p:par>
+                                <p:cTn id="25" presetID="1" presetClass="entr" presetSubtype="0" fill="hold" grpId="0" nodeType="withEffect">
+                                  <p:stCondLst>
+                                    <p:cond delay="0"/>
+                                  </p:stCondLst>
+                                  <p:childTnLst>
+                                    <p:set>
+                                      <p:cBhvr>
+                                        <p:cTn id="26" dur="1" fill="hold">
+                                          <p:stCondLst>
+                                            <p:cond delay="0"/>
+                                          </p:stCondLst>
+                                        </p:cTn>
+                                        <p:tgtEl>
+                                          <p:spTgt spid="3">
+                                            <p:txEl>
+                                              <p:pRg st="9" end="9"/>
+                                            </p:txEl>
+                                          </p:spTgt>
+                                        </p:tgtEl>
+                                        <p:attrNameLst>
+                                          <p:attrName>style.visibility</p:attrName>
+                                        </p:attrNameLst>
+                                      </p:cBhvr>
+                                      <p:to>
+                                        <p:strVal val="visible"/>
+                                      </p:to>
+                                    </p:set>
+                                  </p:childTnLst>
+                                </p:cTn>
+                              </p:par>
+                            </p:childTnLst>
+                          </p:cTn>
+                        </p:par>
+                      </p:childTnLst>
+                    </p:cTn>
+                  </p:par>
+                </p:childTnLst>
+              </p:cTn>
+              <p:prevCondLst>
+                <p:cond evt="onPrev" delay="0">
+                  <p:tgtEl>
+                    <p:sldTgt/>
+                  </p:tgtEl>
+                </p:cond>
+              </p:prevCondLst>
+              <p:nextCondLst>
+                <p:cond evt="onNext" delay="0">
+                  <p:tgtEl>
+                    <p:sldTgt/>
+                  </p:tgtEl>
+                </p:cond>
+              </p:nextCondLst>
+            </p:seq>
+          </p:childTnLst>
+        </p:cTn>
+      </p:par>
+    </p:tnLst>
+    <p:bldLst>
+      <p:bldP spid="3" grpId="0" build="p"/>
+    </p:bldLst>
+  </p:timing>
 </p:sld>
 </file>
 
@@ -4253,6 +5479,434 @@
   <p:clrMapOvr>
     <a:masterClrMapping/>
   </p:clrMapOvr>
+  <p:timing>
+    <p:tnLst>
+      <p:par>
+        <p:cTn id="1" dur="indefinite" restart="never" nodeType="tmRoot">
+          <p:childTnLst>
+            <p:seq concurrent="1" nextAc="seek">
+              <p:cTn id="2" dur="indefinite" nodeType="mainSeq">
+                <p:childTnLst>
+                  <p:par>
+                    <p:cTn id="3" fill="hold">
+                      <p:stCondLst>
+                        <p:cond delay="indefinite"/>
+                      </p:stCondLst>
+                      <p:childTnLst>
+                        <p:par>
+                          <p:cTn id="4" fill="hold">
+                            <p:stCondLst>
+                              <p:cond delay="0"/>
+                            </p:stCondLst>
+                            <p:childTnLst>
+                              <p:par>
+                                <p:cTn id="5" presetID="1" presetClass="entr" presetSubtype="0" fill="hold" grpId="0" nodeType="clickEffect">
+                                  <p:stCondLst>
+                                    <p:cond delay="0"/>
+                                  </p:stCondLst>
+                                  <p:childTnLst>
+                                    <p:set>
+                                      <p:cBhvr>
+                                        <p:cTn id="6" dur="1" fill="hold">
+                                          <p:stCondLst>
+                                            <p:cond delay="0"/>
+                                          </p:stCondLst>
+                                        </p:cTn>
+                                        <p:tgtEl>
+                                          <p:spTgt spid="3">
+                                            <p:txEl>
+                                              <p:pRg st="0" end="0"/>
+                                            </p:txEl>
+                                          </p:spTgt>
+                                        </p:tgtEl>
+                                        <p:attrNameLst>
+                                          <p:attrName>style.visibility</p:attrName>
+                                        </p:attrNameLst>
+                                      </p:cBhvr>
+                                      <p:to>
+                                        <p:strVal val="visible"/>
+                                      </p:to>
+                                    </p:set>
+                                  </p:childTnLst>
+                                </p:cTn>
+                              </p:par>
+                              <p:par>
+                                <p:cTn id="7" presetID="1" presetClass="entr" presetSubtype="0" fill="hold" grpId="0" nodeType="withEffect">
+                                  <p:stCondLst>
+                                    <p:cond delay="0"/>
+                                  </p:stCondLst>
+                                  <p:childTnLst>
+                                    <p:set>
+                                      <p:cBhvr>
+                                        <p:cTn id="8" dur="1" fill="hold">
+                                          <p:stCondLst>
+                                            <p:cond delay="0"/>
+                                          </p:stCondLst>
+                                        </p:cTn>
+                                        <p:tgtEl>
+                                          <p:spTgt spid="3">
+                                            <p:txEl>
+                                              <p:pRg st="1" end="1"/>
+                                            </p:txEl>
+                                          </p:spTgt>
+                                        </p:tgtEl>
+                                        <p:attrNameLst>
+                                          <p:attrName>style.visibility</p:attrName>
+                                        </p:attrNameLst>
+                                      </p:cBhvr>
+                                      <p:to>
+                                        <p:strVal val="visible"/>
+                                      </p:to>
+                                    </p:set>
+                                  </p:childTnLst>
+                                </p:cTn>
+                              </p:par>
+                              <p:par>
+                                <p:cTn id="9" presetID="1" presetClass="entr" presetSubtype="0" fill="hold" grpId="0" nodeType="withEffect">
+                                  <p:stCondLst>
+                                    <p:cond delay="0"/>
+                                  </p:stCondLst>
+                                  <p:childTnLst>
+                                    <p:set>
+                                      <p:cBhvr>
+                                        <p:cTn id="10" dur="1" fill="hold">
+                                          <p:stCondLst>
+                                            <p:cond delay="0"/>
+                                          </p:stCondLst>
+                                        </p:cTn>
+                                        <p:tgtEl>
+                                          <p:spTgt spid="3">
+                                            <p:txEl>
+                                              <p:pRg st="2" end="2"/>
+                                            </p:txEl>
+                                          </p:spTgt>
+                                        </p:tgtEl>
+                                        <p:attrNameLst>
+                                          <p:attrName>style.visibility</p:attrName>
+                                        </p:attrNameLst>
+                                      </p:cBhvr>
+                                      <p:to>
+                                        <p:strVal val="visible"/>
+                                      </p:to>
+                                    </p:set>
+                                  </p:childTnLst>
+                                </p:cTn>
+                              </p:par>
+                            </p:childTnLst>
+                          </p:cTn>
+                        </p:par>
+                      </p:childTnLst>
+                    </p:cTn>
+                  </p:par>
+                  <p:par>
+                    <p:cTn id="11" fill="hold">
+                      <p:stCondLst>
+                        <p:cond delay="indefinite"/>
+                      </p:stCondLst>
+                      <p:childTnLst>
+                        <p:par>
+                          <p:cTn id="12" fill="hold">
+                            <p:stCondLst>
+                              <p:cond delay="0"/>
+                            </p:stCondLst>
+                            <p:childTnLst>
+                              <p:par>
+                                <p:cTn id="13" presetID="1" presetClass="entr" presetSubtype="0" fill="hold" grpId="0" nodeType="clickEffect">
+                                  <p:stCondLst>
+                                    <p:cond delay="0"/>
+                                  </p:stCondLst>
+                                  <p:childTnLst>
+                                    <p:set>
+                                      <p:cBhvr>
+                                        <p:cTn id="14" dur="1" fill="hold">
+                                          <p:stCondLst>
+                                            <p:cond delay="0"/>
+                                          </p:stCondLst>
+                                        </p:cTn>
+                                        <p:tgtEl>
+                                          <p:spTgt spid="3">
+                                            <p:txEl>
+                                              <p:pRg st="3" end="3"/>
+                                            </p:txEl>
+                                          </p:spTgt>
+                                        </p:tgtEl>
+                                        <p:attrNameLst>
+                                          <p:attrName>style.visibility</p:attrName>
+                                        </p:attrNameLst>
+                                      </p:cBhvr>
+                                      <p:to>
+                                        <p:strVal val="visible"/>
+                                      </p:to>
+                                    </p:set>
+                                  </p:childTnLst>
+                                </p:cTn>
+                              </p:par>
+                              <p:par>
+                                <p:cTn id="15" presetID="1" presetClass="entr" presetSubtype="0" fill="hold" grpId="0" nodeType="withEffect">
+                                  <p:stCondLst>
+                                    <p:cond delay="0"/>
+                                  </p:stCondLst>
+                                  <p:childTnLst>
+                                    <p:set>
+                                      <p:cBhvr>
+                                        <p:cTn id="16" dur="1" fill="hold">
+                                          <p:stCondLst>
+                                            <p:cond delay="0"/>
+                                          </p:stCondLst>
+                                        </p:cTn>
+                                        <p:tgtEl>
+                                          <p:spTgt spid="3">
+                                            <p:txEl>
+                                              <p:pRg st="4" end="4"/>
+                                            </p:txEl>
+                                          </p:spTgt>
+                                        </p:tgtEl>
+                                        <p:attrNameLst>
+                                          <p:attrName>style.visibility</p:attrName>
+                                        </p:attrNameLst>
+                                      </p:cBhvr>
+                                      <p:to>
+                                        <p:strVal val="visible"/>
+                                      </p:to>
+                                    </p:set>
+                                  </p:childTnLst>
+                                </p:cTn>
+                              </p:par>
+                              <p:par>
+                                <p:cTn id="17" presetID="1" presetClass="entr" presetSubtype="0" fill="hold" grpId="0" nodeType="withEffect">
+                                  <p:stCondLst>
+                                    <p:cond delay="0"/>
+                                  </p:stCondLst>
+                                  <p:childTnLst>
+                                    <p:set>
+                                      <p:cBhvr>
+                                        <p:cTn id="18" dur="1" fill="hold">
+                                          <p:stCondLst>
+                                            <p:cond delay="0"/>
+                                          </p:stCondLst>
+                                        </p:cTn>
+                                        <p:tgtEl>
+                                          <p:spTgt spid="3">
+                                            <p:txEl>
+                                              <p:pRg st="5" end="5"/>
+                                            </p:txEl>
+                                          </p:spTgt>
+                                        </p:tgtEl>
+                                        <p:attrNameLst>
+                                          <p:attrName>style.visibility</p:attrName>
+                                        </p:attrNameLst>
+                                      </p:cBhvr>
+                                      <p:to>
+                                        <p:strVal val="visible"/>
+                                      </p:to>
+                                    </p:set>
+                                  </p:childTnLst>
+                                </p:cTn>
+                              </p:par>
+                            </p:childTnLst>
+                          </p:cTn>
+                        </p:par>
+                      </p:childTnLst>
+                    </p:cTn>
+                  </p:par>
+                  <p:par>
+                    <p:cTn id="19" fill="hold">
+                      <p:stCondLst>
+                        <p:cond delay="indefinite"/>
+                      </p:stCondLst>
+                      <p:childTnLst>
+                        <p:par>
+                          <p:cTn id="20" fill="hold">
+                            <p:stCondLst>
+                              <p:cond delay="0"/>
+                            </p:stCondLst>
+                            <p:childTnLst>
+                              <p:par>
+                                <p:cTn id="21" presetID="1" presetClass="entr" presetSubtype="0" fill="hold" grpId="0" nodeType="clickEffect">
+                                  <p:stCondLst>
+                                    <p:cond delay="0"/>
+                                  </p:stCondLst>
+                                  <p:childTnLst>
+                                    <p:set>
+                                      <p:cBhvr>
+                                        <p:cTn id="22" dur="1" fill="hold">
+                                          <p:stCondLst>
+                                            <p:cond delay="0"/>
+                                          </p:stCondLst>
+                                        </p:cTn>
+                                        <p:tgtEl>
+                                          <p:spTgt spid="3">
+                                            <p:txEl>
+                                              <p:pRg st="6" end="6"/>
+                                            </p:txEl>
+                                          </p:spTgt>
+                                        </p:tgtEl>
+                                        <p:attrNameLst>
+                                          <p:attrName>style.visibility</p:attrName>
+                                        </p:attrNameLst>
+                                      </p:cBhvr>
+                                      <p:to>
+                                        <p:strVal val="visible"/>
+                                      </p:to>
+                                    </p:set>
+                                  </p:childTnLst>
+                                </p:cTn>
+                              </p:par>
+                              <p:par>
+                                <p:cTn id="23" presetID="1" presetClass="entr" presetSubtype="0" fill="hold" grpId="0" nodeType="withEffect">
+                                  <p:stCondLst>
+                                    <p:cond delay="0"/>
+                                  </p:stCondLst>
+                                  <p:childTnLst>
+                                    <p:set>
+                                      <p:cBhvr>
+                                        <p:cTn id="24" dur="1" fill="hold">
+                                          <p:stCondLst>
+                                            <p:cond delay="0"/>
+                                          </p:stCondLst>
+                                        </p:cTn>
+                                        <p:tgtEl>
+                                          <p:spTgt spid="3">
+                                            <p:txEl>
+                                              <p:pRg st="7" end="7"/>
+                                            </p:txEl>
+                                          </p:spTgt>
+                                        </p:tgtEl>
+                                        <p:attrNameLst>
+                                          <p:attrName>style.visibility</p:attrName>
+                                        </p:attrNameLst>
+                                      </p:cBhvr>
+                                      <p:to>
+                                        <p:strVal val="visible"/>
+                                      </p:to>
+                                    </p:set>
+                                  </p:childTnLst>
+                                </p:cTn>
+                              </p:par>
+                              <p:par>
+                                <p:cTn id="25" presetID="1" presetClass="entr" presetSubtype="0" fill="hold" grpId="0" nodeType="withEffect">
+                                  <p:stCondLst>
+                                    <p:cond delay="0"/>
+                                  </p:stCondLst>
+                                  <p:childTnLst>
+                                    <p:set>
+                                      <p:cBhvr>
+                                        <p:cTn id="26" dur="1" fill="hold">
+                                          <p:stCondLst>
+                                            <p:cond delay="0"/>
+                                          </p:stCondLst>
+                                        </p:cTn>
+                                        <p:tgtEl>
+                                          <p:spTgt spid="3">
+                                            <p:txEl>
+                                              <p:pRg st="8" end="8"/>
+                                            </p:txEl>
+                                          </p:spTgt>
+                                        </p:tgtEl>
+                                        <p:attrNameLst>
+                                          <p:attrName>style.visibility</p:attrName>
+                                        </p:attrNameLst>
+                                      </p:cBhvr>
+                                      <p:to>
+                                        <p:strVal val="visible"/>
+                                      </p:to>
+                                    </p:set>
+                                  </p:childTnLst>
+                                </p:cTn>
+                              </p:par>
+                              <p:par>
+                                <p:cTn id="27" presetID="1" presetClass="entr" presetSubtype="0" fill="hold" grpId="0" nodeType="withEffect">
+                                  <p:stCondLst>
+                                    <p:cond delay="0"/>
+                                  </p:stCondLst>
+                                  <p:childTnLst>
+                                    <p:set>
+                                      <p:cBhvr>
+                                        <p:cTn id="28" dur="1" fill="hold">
+                                          <p:stCondLst>
+                                            <p:cond delay="0"/>
+                                          </p:stCondLst>
+                                        </p:cTn>
+                                        <p:tgtEl>
+                                          <p:spTgt spid="3">
+                                            <p:txEl>
+                                              <p:pRg st="9" end="9"/>
+                                            </p:txEl>
+                                          </p:spTgt>
+                                        </p:tgtEl>
+                                        <p:attrNameLst>
+                                          <p:attrName>style.visibility</p:attrName>
+                                        </p:attrNameLst>
+                                      </p:cBhvr>
+                                      <p:to>
+                                        <p:strVal val="visible"/>
+                                      </p:to>
+                                    </p:set>
+                                  </p:childTnLst>
+                                </p:cTn>
+                              </p:par>
+                              <p:par>
+                                <p:cTn id="29" presetID="1" presetClass="entr" presetSubtype="0" fill="hold" grpId="0" nodeType="withEffect">
+                                  <p:stCondLst>
+                                    <p:cond delay="0"/>
+                                  </p:stCondLst>
+                                  <p:childTnLst>
+                                    <p:set>
+                                      <p:cBhvr>
+                                        <p:cTn id="30" dur="1" fill="hold">
+                                          <p:stCondLst>
+                                            <p:cond delay="0"/>
+                                          </p:stCondLst>
+                                        </p:cTn>
+                                        <p:tgtEl>
+                                          <p:spTgt spid="3">
+                                            <p:txEl>
+                                              <p:pRg st="10" end="10"/>
+                                            </p:txEl>
+                                          </p:spTgt>
+                                        </p:tgtEl>
+                                        <p:attrNameLst>
+                                          <p:attrName>style.visibility</p:attrName>
+                                        </p:attrNameLst>
+                                      </p:cBhvr>
+                                      <p:to>
+                                        <p:strVal val="visible"/>
+                                      </p:to>
+                                    </p:set>
+                                  </p:childTnLst>
+                                </p:cTn>
+                              </p:par>
+                            </p:childTnLst>
+                          </p:cTn>
+                        </p:par>
+                      </p:childTnLst>
+                    </p:cTn>
+                  </p:par>
+                </p:childTnLst>
+              </p:cTn>
+              <p:prevCondLst>
+                <p:cond evt="onPrev" delay="0">
+                  <p:tgtEl>
+                    <p:sldTgt/>
+                  </p:tgtEl>
+                </p:cond>
+              </p:prevCondLst>
+              <p:nextCondLst>
+                <p:cond evt="onNext" delay="0">
+                  <p:tgtEl>
+                    <p:sldTgt/>
+                  </p:tgtEl>
+                </p:cond>
+              </p:nextCondLst>
+            </p:seq>
+          </p:childTnLst>
+        </p:cTn>
+      </p:par>
+    </p:tnLst>
+    <p:bldLst>
+      <p:bldP spid="3" grpId="0" build="p"/>
+    </p:bldLst>
+  </p:timing>
 </p:sld>
 </file>
 
@@ -4394,6 +6048,390 @@
   <p:clrMapOvr>
     <a:masterClrMapping/>
   </p:clrMapOvr>
+  <p:timing>
+    <p:tnLst>
+      <p:par>
+        <p:cTn id="1" dur="indefinite" restart="never" nodeType="tmRoot">
+          <p:childTnLst>
+            <p:seq concurrent="1" nextAc="seek">
+              <p:cTn id="2" dur="indefinite" nodeType="mainSeq">
+                <p:childTnLst>
+                  <p:par>
+                    <p:cTn id="3" fill="hold">
+                      <p:stCondLst>
+                        <p:cond delay="indefinite"/>
+                      </p:stCondLst>
+                      <p:childTnLst>
+                        <p:par>
+                          <p:cTn id="4" fill="hold">
+                            <p:stCondLst>
+                              <p:cond delay="0"/>
+                            </p:stCondLst>
+                            <p:childTnLst>
+                              <p:par>
+                                <p:cTn id="5" presetID="1" presetClass="entr" presetSubtype="0" fill="hold" grpId="0" nodeType="clickEffect">
+                                  <p:stCondLst>
+                                    <p:cond delay="0"/>
+                                  </p:stCondLst>
+                                  <p:childTnLst>
+                                    <p:set>
+                                      <p:cBhvr>
+                                        <p:cTn id="6" dur="1" fill="hold">
+                                          <p:stCondLst>
+                                            <p:cond delay="0"/>
+                                          </p:stCondLst>
+                                        </p:cTn>
+                                        <p:tgtEl>
+                                          <p:spTgt spid="3">
+                                            <p:txEl>
+                                              <p:pRg st="0" end="0"/>
+                                            </p:txEl>
+                                          </p:spTgt>
+                                        </p:tgtEl>
+                                        <p:attrNameLst>
+                                          <p:attrName>style.visibility</p:attrName>
+                                        </p:attrNameLst>
+                                      </p:cBhvr>
+                                      <p:to>
+                                        <p:strVal val="visible"/>
+                                      </p:to>
+                                    </p:set>
+                                  </p:childTnLst>
+                                </p:cTn>
+                              </p:par>
+                            </p:childTnLst>
+                          </p:cTn>
+                        </p:par>
+                      </p:childTnLst>
+                    </p:cTn>
+                  </p:par>
+                  <p:par>
+                    <p:cTn id="7" fill="hold">
+                      <p:stCondLst>
+                        <p:cond delay="indefinite"/>
+                      </p:stCondLst>
+                      <p:childTnLst>
+                        <p:par>
+                          <p:cTn id="8" fill="hold">
+                            <p:stCondLst>
+                              <p:cond delay="0"/>
+                            </p:stCondLst>
+                            <p:childTnLst>
+                              <p:par>
+                                <p:cTn id="9" presetID="1" presetClass="entr" presetSubtype="0" fill="hold" grpId="0" nodeType="clickEffect">
+                                  <p:stCondLst>
+                                    <p:cond delay="0"/>
+                                  </p:stCondLst>
+                                  <p:childTnLst>
+                                    <p:set>
+                                      <p:cBhvr>
+                                        <p:cTn id="10" dur="1" fill="hold">
+                                          <p:stCondLst>
+                                            <p:cond delay="0"/>
+                                          </p:stCondLst>
+                                        </p:cTn>
+                                        <p:tgtEl>
+                                          <p:spTgt spid="3">
+                                            <p:txEl>
+                                              <p:pRg st="1" end="1"/>
+                                            </p:txEl>
+                                          </p:spTgt>
+                                        </p:tgtEl>
+                                        <p:attrNameLst>
+                                          <p:attrName>style.visibility</p:attrName>
+                                        </p:attrNameLst>
+                                      </p:cBhvr>
+                                      <p:to>
+                                        <p:strVal val="visible"/>
+                                      </p:to>
+                                    </p:set>
+                                  </p:childTnLst>
+                                </p:cTn>
+                              </p:par>
+                            </p:childTnLst>
+                          </p:cTn>
+                        </p:par>
+                      </p:childTnLst>
+                    </p:cTn>
+                  </p:par>
+                  <p:par>
+                    <p:cTn id="11" fill="hold">
+                      <p:stCondLst>
+                        <p:cond delay="indefinite"/>
+                      </p:stCondLst>
+                      <p:childTnLst>
+                        <p:par>
+                          <p:cTn id="12" fill="hold">
+                            <p:stCondLst>
+                              <p:cond delay="0"/>
+                            </p:stCondLst>
+                            <p:childTnLst>
+                              <p:par>
+                                <p:cTn id="13" presetID="1" presetClass="entr" presetSubtype="0" fill="hold" grpId="0" nodeType="clickEffect">
+                                  <p:stCondLst>
+                                    <p:cond delay="0"/>
+                                  </p:stCondLst>
+                                  <p:childTnLst>
+                                    <p:set>
+                                      <p:cBhvr>
+                                        <p:cTn id="14" dur="1" fill="hold">
+                                          <p:stCondLst>
+                                            <p:cond delay="0"/>
+                                          </p:stCondLst>
+                                        </p:cTn>
+                                        <p:tgtEl>
+                                          <p:spTgt spid="3">
+                                            <p:txEl>
+                                              <p:pRg st="2" end="2"/>
+                                            </p:txEl>
+                                          </p:spTgt>
+                                        </p:tgtEl>
+                                        <p:attrNameLst>
+                                          <p:attrName>style.visibility</p:attrName>
+                                        </p:attrNameLst>
+                                      </p:cBhvr>
+                                      <p:to>
+                                        <p:strVal val="visible"/>
+                                      </p:to>
+                                    </p:set>
+                                  </p:childTnLst>
+                                </p:cTn>
+                              </p:par>
+                              <p:par>
+                                <p:cTn id="15" presetID="1" presetClass="entr" presetSubtype="0" fill="hold" grpId="0" nodeType="withEffect">
+                                  <p:stCondLst>
+                                    <p:cond delay="0"/>
+                                  </p:stCondLst>
+                                  <p:childTnLst>
+                                    <p:set>
+                                      <p:cBhvr>
+                                        <p:cTn id="16" dur="1" fill="hold">
+                                          <p:stCondLst>
+                                            <p:cond delay="0"/>
+                                          </p:stCondLst>
+                                        </p:cTn>
+                                        <p:tgtEl>
+                                          <p:spTgt spid="3">
+                                            <p:txEl>
+                                              <p:pRg st="3" end="3"/>
+                                            </p:txEl>
+                                          </p:spTgt>
+                                        </p:tgtEl>
+                                        <p:attrNameLst>
+                                          <p:attrName>style.visibility</p:attrName>
+                                        </p:attrNameLst>
+                                      </p:cBhvr>
+                                      <p:to>
+                                        <p:strVal val="visible"/>
+                                      </p:to>
+                                    </p:set>
+                                  </p:childTnLst>
+                                </p:cTn>
+                              </p:par>
+                              <p:par>
+                                <p:cTn id="17" presetID="1" presetClass="entr" presetSubtype="0" fill="hold" grpId="0" nodeType="withEffect">
+                                  <p:stCondLst>
+                                    <p:cond delay="0"/>
+                                  </p:stCondLst>
+                                  <p:childTnLst>
+                                    <p:set>
+                                      <p:cBhvr>
+                                        <p:cTn id="18" dur="1" fill="hold">
+                                          <p:stCondLst>
+                                            <p:cond delay="0"/>
+                                          </p:stCondLst>
+                                        </p:cTn>
+                                        <p:tgtEl>
+                                          <p:spTgt spid="3">
+                                            <p:txEl>
+                                              <p:pRg st="4" end="4"/>
+                                            </p:txEl>
+                                          </p:spTgt>
+                                        </p:tgtEl>
+                                        <p:attrNameLst>
+                                          <p:attrName>style.visibility</p:attrName>
+                                        </p:attrNameLst>
+                                      </p:cBhvr>
+                                      <p:to>
+                                        <p:strVal val="visible"/>
+                                      </p:to>
+                                    </p:set>
+                                  </p:childTnLst>
+                                </p:cTn>
+                              </p:par>
+                              <p:par>
+                                <p:cTn id="19" presetID="1" presetClass="entr" presetSubtype="0" fill="hold" grpId="0" nodeType="withEffect">
+                                  <p:stCondLst>
+                                    <p:cond delay="0"/>
+                                  </p:stCondLst>
+                                  <p:childTnLst>
+                                    <p:set>
+                                      <p:cBhvr>
+                                        <p:cTn id="20" dur="1" fill="hold">
+                                          <p:stCondLst>
+                                            <p:cond delay="0"/>
+                                          </p:stCondLst>
+                                        </p:cTn>
+                                        <p:tgtEl>
+                                          <p:spTgt spid="3">
+                                            <p:txEl>
+                                              <p:pRg st="5" end="5"/>
+                                            </p:txEl>
+                                          </p:spTgt>
+                                        </p:tgtEl>
+                                        <p:attrNameLst>
+                                          <p:attrName>style.visibility</p:attrName>
+                                        </p:attrNameLst>
+                                      </p:cBhvr>
+                                      <p:to>
+                                        <p:strVal val="visible"/>
+                                      </p:to>
+                                    </p:set>
+                                  </p:childTnLst>
+                                </p:cTn>
+                              </p:par>
+                              <p:par>
+                                <p:cTn id="21" presetID="1" presetClass="entr" presetSubtype="0" fill="hold" grpId="0" nodeType="withEffect">
+                                  <p:stCondLst>
+                                    <p:cond delay="0"/>
+                                  </p:stCondLst>
+                                  <p:childTnLst>
+                                    <p:set>
+                                      <p:cBhvr>
+                                        <p:cTn id="22" dur="1" fill="hold">
+                                          <p:stCondLst>
+                                            <p:cond delay="0"/>
+                                          </p:stCondLst>
+                                        </p:cTn>
+                                        <p:tgtEl>
+                                          <p:spTgt spid="3">
+                                            <p:txEl>
+                                              <p:pRg st="6" end="6"/>
+                                            </p:txEl>
+                                          </p:spTgt>
+                                        </p:tgtEl>
+                                        <p:attrNameLst>
+                                          <p:attrName>style.visibility</p:attrName>
+                                        </p:attrNameLst>
+                                      </p:cBhvr>
+                                      <p:to>
+                                        <p:strVal val="visible"/>
+                                      </p:to>
+                                    </p:set>
+                                  </p:childTnLst>
+                                </p:cTn>
+                              </p:par>
+                            </p:childTnLst>
+                          </p:cTn>
+                        </p:par>
+                      </p:childTnLst>
+                    </p:cTn>
+                  </p:par>
+                  <p:par>
+                    <p:cTn id="23" fill="hold">
+                      <p:stCondLst>
+                        <p:cond delay="indefinite"/>
+                      </p:stCondLst>
+                      <p:childTnLst>
+                        <p:par>
+                          <p:cTn id="24" fill="hold">
+                            <p:stCondLst>
+                              <p:cond delay="0"/>
+                            </p:stCondLst>
+                            <p:childTnLst>
+                              <p:par>
+                                <p:cTn id="25" presetID="1" presetClass="entr" presetSubtype="0" fill="hold" grpId="0" nodeType="clickEffect">
+                                  <p:stCondLst>
+                                    <p:cond delay="0"/>
+                                  </p:stCondLst>
+                                  <p:childTnLst>
+                                    <p:set>
+                                      <p:cBhvr>
+                                        <p:cTn id="26" dur="1" fill="hold">
+                                          <p:stCondLst>
+                                            <p:cond delay="0"/>
+                                          </p:stCondLst>
+                                        </p:cTn>
+                                        <p:tgtEl>
+                                          <p:spTgt spid="3">
+                                            <p:txEl>
+                                              <p:pRg st="7" end="7"/>
+                                            </p:txEl>
+                                          </p:spTgt>
+                                        </p:tgtEl>
+                                        <p:attrNameLst>
+                                          <p:attrName>style.visibility</p:attrName>
+                                        </p:attrNameLst>
+                                      </p:cBhvr>
+                                      <p:to>
+                                        <p:strVal val="visible"/>
+                                      </p:to>
+                                    </p:set>
+                                  </p:childTnLst>
+                                </p:cTn>
+                              </p:par>
+                              <p:par>
+                                <p:cTn id="27" presetID="1" presetClass="entr" presetSubtype="0" fill="hold" grpId="0" nodeType="withEffect">
+                                  <p:stCondLst>
+                                    <p:cond delay="0"/>
+                                  </p:stCondLst>
+                                  <p:childTnLst>
+                                    <p:set>
+                                      <p:cBhvr>
+                                        <p:cTn id="28" dur="1" fill="hold">
+                                          <p:stCondLst>
+                                            <p:cond delay="0"/>
+                                          </p:stCondLst>
+                                        </p:cTn>
+                                        <p:tgtEl>
+                                          <p:spTgt spid="3">
+                                            <p:txEl>
+                                              <p:pRg st="8" end="8"/>
+                                            </p:txEl>
+                                          </p:spTgt>
+                                        </p:tgtEl>
+                                        <p:attrNameLst>
+                                          <p:attrName>style.visibility</p:attrName>
+                                        </p:attrNameLst>
+                                      </p:cBhvr>
+                                      <p:to>
+                                        <p:strVal val="visible"/>
+                                      </p:to>
+                                    </p:set>
+                                  </p:childTnLst>
+                                </p:cTn>
+                              </p:par>
+                            </p:childTnLst>
+                          </p:cTn>
+                        </p:par>
+                      </p:childTnLst>
+                    </p:cTn>
+                  </p:par>
+                </p:childTnLst>
+              </p:cTn>
+              <p:prevCondLst>
+                <p:cond evt="onPrev" delay="0">
+                  <p:tgtEl>
+                    <p:sldTgt/>
+                  </p:tgtEl>
+                </p:cond>
+              </p:prevCondLst>
+              <p:nextCondLst>
+                <p:cond evt="onNext" delay="0">
+                  <p:tgtEl>
+                    <p:sldTgt/>
+                  </p:tgtEl>
+                </p:cond>
+              </p:nextCondLst>
+            </p:seq>
+          </p:childTnLst>
+        </p:cTn>
+      </p:par>
+    </p:tnLst>
+    <p:bldLst>
+      <p:bldP spid="3" grpId="0" build="p"/>
+    </p:bldLst>
+  </p:timing>
 </p:sld>
 </file>
 
@@ -4549,6 +6587,403 @@
   <p:clrMapOvr>
     <a:masterClrMapping/>
   </p:clrMapOvr>
+  <p:timing>
+    <p:tnLst>
+      <p:par>
+        <p:cTn id="1" dur="indefinite" restart="never" nodeType="tmRoot">
+          <p:childTnLst>
+            <p:seq concurrent="1" nextAc="seek">
+              <p:cTn id="2" dur="indefinite" nodeType="mainSeq">
+                <p:childTnLst>
+                  <p:par>
+                    <p:cTn id="3" fill="hold">
+                      <p:stCondLst>
+                        <p:cond delay="indefinite"/>
+                      </p:stCondLst>
+                      <p:childTnLst>
+                        <p:par>
+                          <p:cTn id="4" fill="hold">
+                            <p:stCondLst>
+                              <p:cond delay="0"/>
+                            </p:stCondLst>
+                            <p:childTnLst>
+                              <p:par>
+                                <p:cTn id="5" presetID="1" presetClass="entr" presetSubtype="0" fill="hold" grpId="0" nodeType="clickEffect">
+                                  <p:stCondLst>
+                                    <p:cond delay="0"/>
+                                  </p:stCondLst>
+                                  <p:childTnLst>
+                                    <p:set>
+                                      <p:cBhvr>
+                                        <p:cTn id="6" dur="1" fill="hold">
+                                          <p:stCondLst>
+                                            <p:cond delay="0"/>
+                                          </p:stCondLst>
+                                        </p:cTn>
+                                        <p:tgtEl>
+                                          <p:spTgt spid="3">
+                                            <p:txEl>
+                                              <p:pRg st="0" end="0"/>
+                                            </p:txEl>
+                                          </p:spTgt>
+                                        </p:tgtEl>
+                                        <p:attrNameLst>
+                                          <p:attrName>style.visibility</p:attrName>
+                                        </p:attrNameLst>
+                                      </p:cBhvr>
+                                      <p:to>
+                                        <p:strVal val="visible"/>
+                                      </p:to>
+                                    </p:set>
+                                  </p:childTnLst>
+                                </p:cTn>
+                              </p:par>
+                              <p:par>
+                                <p:cTn id="7" presetID="1" presetClass="entr" presetSubtype="0" fill="hold" grpId="0" nodeType="withEffect">
+                                  <p:stCondLst>
+                                    <p:cond delay="0"/>
+                                  </p:stCondLst>
+                                  <p:childTnLst>
+                                    <p:set>
+                                      <p:cBhvr>
+                                        <p:cTn id="8" dur="1" fill="hold">
+                                          <p:stCondLst>
+                                            <p:cond delay="0"/>
+                                          </p:stCondLst>
+                                        </p:cTn>
+                                        <p:tgtEl>
+                                          <p:spTgt spid="3">
+                                            <p:txEl>
+                                              <p:pRg st="1" end="1"/>
+                                            </p:txEl>
+                                          </p:spTgt>
+                                        </p:tgtEl>
+                                        <p:attrNameLst>
+                                          <p:attrName>style.visibility</p:attrName>
+                                        </p:attrNameLst>
+                                      </p:cBhvr>
+                                      <p:to>
+                                        <p:strVal val="visible"/>
+                                      </p:to>
+                                    </p:set>
+                                  </p:childTnLst>
+                                </p:cTn>
+                              </p:par>
+                            </p:childTnLst>
+                          </p:cTn>
+                        </p:par>
+                      </p:childTnLst>
+                    </p:cTn>
+                  </p:par>
+                  <p:par>
+                    <p:cTn id="9" fill="hold">
+                      <p:stCondLst>
+                        <p:cond delay="indefinite"/>
+                      </p:stCondLst>
+                      <p:childTnLst>
+                        <p:par>
+                          <p:cTn id="10" fill="hold">
+                            <p:stCondLst>
+                              <p:cond delay="0"/>
+                            </p:stCondLst>
+                            <p:childTnLst>
+                              <p:par>
+                                <p:cTn id="11" presetID="1" presetClass="entr" presetSubtype="0" fill="hold" grpId="0" nodeType="clickEffect">
+                                  <p:stCondLst>
+                                    <p:cond delay="0"/>
+                                  </p:stCondLst>
+                                  <p:childTnLst>
+                                    <p:set>
+                                      <p:cBhvr>
+                                        <p:cTn id="12" dur="1" fill="hold">
+                                          <p:stCondLst>
+                                            <p:cond delay="0"/>
+                                          </p:stCondLst>
+                                        </p:cTn>
+                                        <p:tgtEl>
+                                          <p:spTgt spid="3">
+                                            <p:txEl>
+                                              <p:pRg st="2" end="2"/>
+                                            </p:txEl>
+                                          </p:spTgt>
+                                        </p:tgtEl>
+                                        <p:attrNameLst>
+                                          <p:attrName>style.visibility</p:attrName>
+                                        </p:attrNameLst>
+                                      </p:cBhvr>
+                                      <p:to>
+                                        <p:strVal val="visible"/>
+                                      </p:to>
+                                    </p:set>
+                                  </p:childTnLst>
+                                </p:cTn>
+                              </p:par>
+                              <p:par>
+                                <p:cTn id="13" presetID="1" presetClass="entr" presetSubtype="0" fill="hold" grpId="0" nodeType="withEffect">
+                                  <p:stCondLst>
+                                    <p:cond delay="0"/>
+                                  </p:stCondLst>
+                                  <p:childTnLst>
+                                    <p:set>
+                                      <p:cBhvr>
+                                        <p:cTn id="14" dur="1" fill="hold">
+                                          <p:stCondLst>
+                                            <p:cond delay="0"/>
+                                          </p:stCondLst>
+                                        </p:cTn>
+                                        <p:tgtEl>
+                                          <p:spTgt spid="3">
+                                            <p:txEl>
+                                              <p:pRg st="3" end="3"/>
+                                            </p:txEl>
+                                          </p:spTgt>
+                                        </p:tgtEl>
+                                        <p:attrNameLst>
+                                          <p:attrName>style.visibility</p:attrName>
+                                        </p:attrNameLst>
+                                      </p:cBhvr>
+                                      <p:to>
+                                        <p:strVal val="visible"/>
+                                      </p:to>
+                                    </p:set>
+                                  </p:childTnLst>
+                                </p:cTn>
+                              </p:par>
+                              <p:par>
+                                <p:cTn id="15" presetID="1" presetClass="entr" presetSubtype="0" fill="hold" grpId="0" nodeType="withEffect">
+                                  <p:stCondLst>
+                                    <p:cond delay="0"/>
+                                  </p:stCondLst>
+                                  <p:childTnLst>
+                                    <p:set>
+                                      <p:cBhvr>
+                                        <p:cTn id="16" dur="1" fill="hold">
+                                          <p:stCondLst>
+                                            <p:cond delay="0"/>
+                                          </p:stCondLst>
+                                        </p:cTn>
+                                        <p:tgtEl>
+                                          <p:spTgt spid="3">
+                                            <p:txEl>
+                                              <p:pRg st="4" end="4"/>
+                                            </p:txEl>
+                                          </p:spTgt>
+                                        </p:tgtEl>
+                                        <p:attrNameLst>
+                                          <p:attrName>style.visibility</p:attrName>
+                                        </p:attrNameLst>
+                                      </p:cBhvr>
+                                      <p:to>
+                                        <p:strVal val="visible"/>
+                                      </p:to>
+                                    </p:set>
+                                  </p:childTnLst>
+                                </p:cTn>
+                              </p:par>
+                            </p:childTnLst>
+                          </p:cTn>
+                        </p:par>
+                      </p:childTnLst>
+                    </p:cTn>
+                  </p:par>
+                  <p:par>
+                    <p:cTn id="17" fill="hold">
+                      <p:stCondLst>
+                        <p:cond delay="indefinite"/>
+                      </p:stCondLst>
+                      <p:childTnLst>
+                        <p:par>
+                          <p:cTn id="18" fill="hold">
+                            <p:stCondLst>
+                              <p:cond delay="0"/>
+                            </p:stCondLst>
+                            <p:childTnLst>
+                              <p:par>
+                                <p:cTn id="19" presetID="1" presetClass="entr" presetSubtype="0" fill="hold" grpId="0" nodeType="clickEffect">
+                                  <p:stCondLst>
+                                    <p:cond delay="0"/>
+                                  </p:stCondLst>
+                                  <p:childTnLst>
+                                    <p:set>
+                                      <p:cBhvr>
+                                        <p:cTn id="20" dur="1" fill="hold">
+                                          <p:stCondLst>
+                                            <p:cond delay="0"/>
+                                          </p:stCondLst>
+                                        </p:cTn>
+                                        <p:tgtEl>
+                                          <p:spTgt spid="3">
+                                            <p:txEl>
+                                              <p:pRg st="5" end="5"/>
+                                            </p:txEl>
+                                          </p:spTgt>
+                                        </p:tgtEl>
+                                        <p:attrNameLst>
+                                          <p:attrName>style.visibility</p:attrName>
+                                        </p:attrNameLst>
+                                      </p:cBhvr>
+                                      <p:to>
+                                        <p:strVal val="visible"/>
+                                      </p:to>
+                                    </p:set>
+                                  </p:childTnLst>
+                                </p:cTn>
+                              </p:par>
+                              <p:par>
+                                <p:cTn id="21" presetID="1" presetClass="entr" presetSubtype="0" fill="hold" grpId="0" nodeType="withEffect">
+                                  <p:stCondLst>
+                                    <p:cond delay="0"/>
+                                  </p:stCondLst>
+                                  <p:childTnLst>
+                                    <p:set>
+                                      <p:cBhvr>
+                                        <p:cTn id="22" dur="1" fill="hold">
+                                          <p:stCondLst>
+                                            <p:cond delay="0"/>
+                                          </p:stCondLst>
+                                        </p:cTn>
+                                        <p:tgtEl>
+                                          <p:spTgt spid="3">
+                                            <p:txEl>
+                                              <p:pRg st="6" end="6"/>
+                                            </p:txEl>
+                                          </p:spTgt>
+                                        </p:tgtEl>
+                                        <p:attrNameLst>
+                                          <p:attrName>style.visibility</p:attrName>
+                                        </p:attrNameLst>
+                                      </p:cBhvr>
+                                      <p:to>
+                                        <p:strVal val="visible"/>
+                                      </p:to>
+                                    </p:set>
+                                  </p:childTnLst>
+                                </p:cTn>
+                              </p:par>
+                              <p:par>
+                                <p:cTn id="23" presetID="1" presetClass="entr" presetSubtype="0" fill="hold" grpId="0" nodeType="withEffect">
+                                  <p:stCondLst>
+                                    <p:cond delay="0"/>
+                                  </p:stCondLst>
+                                  <p:childTnLst>
+                                    <p:set>
+                                      <p:cBhvr>
+                                        <p:cTn id="24" dur="1" fill="hold">
+                                          <p:stCondLst>
+                                            <p:cond delay="0"/>
+                                          </p:stCondLst>
+                                        </p:cTn>
+                                        <p:tgtEl>
+                                          <p:spTgt spid="3">
+                                            <p:txEl>
+                                              <p:pRg st="7" end="7"/>
+                                            </p:txEl>
+                                          </p:spTgt>
+                                        </p:tgtEl>
+                                        <p:attrNameLst>
+                                          <p:attrName>style.visibility</p:attrName>
+                                        </p:attrNameLst>
+                                      </p:cBhvr>
+                                      <p:to>
+                                        <p:strVal val="visible"/>
+                                      </p:to>
+                                    </p:set>
+                                  </p:childTnLst>
+                                </p:cTn>
+                              </p:par>
+                              <p:par>
+                                <p:cTn id="25" presetID="1" presetClass="entr" presetSubtype="0" fill="hold" grpId="0" nodeType="withEffect">
+                                  <p:stCondLst>
+                                    <p:cond delay="0"/>
+                                  </p:stCondLst>
+                                  <p:childTnLst>
+                                    <p:set>
+                                      <p:cBhvr>
+                                        <p:cTn id="26" dur="1" fill="hold">
+                                          <p:stCondLst>
+                                            <p:cond delay="0"/>
+                                          </p:stCondLst>
+                                        </p:cTn>
+                                        <p:tgtEl>
+                                          <p:spTgt spid="3">
+                                            <p:txEl>
+                                              <p:pRg st="8" end="8"/>
+                                            </p:txEl>
+                                          </p:spTgt>
+                                        </p:tgtEl>
+                                        <p:attrNameLst>
+                                          <p:attrName>style.visibility</p:attrName>
+                                        </p:attrNameLst>
+                                      </p:cBhvr>
+                                      <p:to>
+                                        <p:strVal val="visible"/>
+                                      </p:to>
+                                    </p:set>
+                                  </p:childTnLst>
+                                </p:cTn>
+                              </p:par>
+                              <p:par>
+                                <p:cTn id="27" presetID="1" presetClass="entr" presetSubtype="0" fill="hold" grpId="0" nodeType="withEffect">
+                                  <p:stCondLst>
+                                    <p:cond delay="0"/>
+                                  </p:stCondLst>
+                                  <p:childTnLst>
+                                    <p:set>
+                                      <p:cBhvr>
+                                        <p:cTn id="28" dur="1" fill="hold">
+                                          <p:stCondLst>
+                                            <p:cond delay="0"/>
+                                          </p:stCondLst>
+                                        </p:cTn>
+                                        <p:tgtEl>
+                                          <p:spTgt spid="3">
+                                            <p:txEl>
+                                              <p:pRg st="9" end="9"/>
+                                            </p:txEl>
+                                          </p:spTgt>
+                                        </p:tgtEl>
+                                        <p:attrNameLst>
+                                          <p:attrName>style.visibility</p:attrName>
+                                        </p:attrNameLst>
+                                      </p:cBhvr>
+                                      <p:to>
+                                        <p:strVal val="visible"/>
+                                      </p:to>
+                                    </p:set>
+                                  </p:childTnLst>
+                                </p:cTn>
+                              </p:par>
+                            </p:childTnLst>
+                          </p:cTn>
+                        </p:par>
+                      </p:childTnLst>
+                    </p:cTn>
+                  </p:par>
+                </p:childTnLst>
+              </p:cTn>
+              <p:prevCondLst>
+                <p:cond evt="onPrev" delay="0">
+                  <p:tgtEl>
+                    <p:sldTgt/>
+                  </p:tgtEl>
+                </p:cond>
+              </p:prevCondLst>
+              <p:nextCondLst>
+                <p:cond evt="onNext" delay="0">
+                  <p:tgtEl>
+                    <p:sldTgt/>
+                  </p:tgtEl>
+                </p:cond>
+              </p:nextCondLst>
+            </p:seq>
+          </p:childTnLst>
+        </p:cTn>
+      </p:par>
+    </p:tnLst>
+    <p:bldLst>
+      <p:bldP spid="3" grpId="0" build="p"/>
+    </p:bldLst>
+  </p:timing>
 </p:sld>
 </file>
 
@@ -4912,6 +7347,126 @@
   <p:clrMapOvr>
     <a:masterClrMapping/>
   </p:clrMapOvr>
+  <p:timing>
+    <p:tnLst>
+      <p:par>
+        <p:cTn id="1" dur="indefinite" restart="never" nodeType="tmRoot">
+          <p:childTnLst>
+            <p:seq concurrent="1" nextAc="seek">
+              <p:cTn id="2" dur="indefinite" nodeType="mainSeq">
+                <p:childTnLst>
+                  <p:par>
+                    <p:cTn id="3" fill="hold">
+                      <p:stCondLst>
+                        <p:cond delay="indefinite"/>
+                      </p:stCondLst>
+                      <p:childTnLst>
+                        <p:par>
+                          <p:cTn id="4" fill="hold">
+                            <p:stCondLst>
+                              <p:cond delay="0"/>
+                            </p:stCondLst>
+                            <p:childTnLst>
+                              <p:par>
+                                <p:cTn id="5" presetID="1" presetClass="entr" presetSubtype="0" fill="hold" nodeType="clickEffect">
+                                  <p:stCondLst>
+                                    <p:cond delay="0"/>
+                                  </p:stCondLst>
+                                  <p:childTnLst>
+                                    <p:set>
+                                      <p:cBhvr>
+                                        <p:cTn id="6" dur="1" fill="hold">
+                                          <p:stCondLst>
+                                            <p:cond delay="0"/>
+                                          </p:stCondLst>
+                                        </p:cTn>
+                                        <p:tgtEl>
+                                          <p:spTgt spid="5"/>
+                                        </p:tgtEl>
+                                        <p:attrNameLst>
+                                          <p:attrName>style.visibility</p:attrName>
+                                        </p:attrNameLst>
+                                      </p:cBhvr>
+                                      <p:to>
+                                        <p:strVal val="visible"/>
+                                      </p:to>
+                                    </p:set>
+                                  </p:childTnLst>
+                                </p:cTn>
+                              </p:par>
+                            </p:childTnLst>
+                          </p:cTn>
+                        </p:par>
+                      </p:childTnLst>
+                    </p:cTn>
+                  </p:par>
+                  <p:par>
+                    <p:cTn id="7" fill="hold">
+                      <p:stCondLst>
+                        <p:cond delay="indefinite"/>
+                      </p:stCondLst>
+                      <p:childTnLst>
+                        <p:par>
+                          <p:cTn id="8" fill="hold">
+                            <p:stCondLst>
+                              <p:cond delay="0"/>
+                            </p:stCondLst>
+                            <p:childTnLst>
+                              <p:par>
+                                <p:cTn id="9" presetID="1" presetClass="entr" presetSubtype="0" fill="hold" nodeType="clickEffect">
+                                  <p:stCondLst>
+                                    <p:cond delay="0"/>
+                                  </p:stCondLst>
+                                  <p:childTnLst>
+                                    <p:set>
+                                      <p:cBhvr>
+                                        <p:cTn id="10" dur="1" fill="hold">
+                                          <p:stCondLst>
+                                            <p:cond delay="0"/>
+                                          </p:stCondLst>
+                                        </p:cTn>
+                                        <p:tgtEl>
+                                          <p:spTgt spid="9"/>
+                                        </p:tgtEl>
+                                        <p:attrNameLst>
+                                          <p:attrName>style.visibility</p:attrName>
+                                        </p:attrNameLst>
+                                      </p:cBhvr>
+                                      <p:to>
+                                        <p:strVal val="visible"/>
+                                      </p:to>
+                                    </p:set>
+                                  </p:childTnLst>
+                                </p:cTn>
+                              </p:par>
+                            </p:childTnLst>
+                          </p:cTn>
+                        </p:par>
+                      </p:childTnLst>
+                    </p:cTn>
+                  </p:par>
+                </p:childTnLst>
+              </p:cTn>
+              <p:prevCondLst>
+                <p:cond evt="onPrev" delay="0">
+                  <p:tgtEl>
+                    <p:sldTgt/>
+                  </p:tgtEl>
+                </p:cond>
+              </p:prevCondLst>
+              <p:nextCondLst>
+                <p:cond evt="onNext" delay="0">
+                  <p:tgtEl>
+                    <p:sldTgt/>
+                  </p:tgtEl>
+                </p:cond>
+              </p:nextCondLst>
+            </p:seq>
+          </p:childTnLst>
+        </p:cTn>
+      </p:par>
+    </p:tnLst>
+  </p:timing>
 </p:sld>
 </file>
 
@@ -5066,6 +7621,346 @@
   <p:clrMapOvr>
     <a:masterClrMapping/>
   </p:clrMapOvr>
+  <p:timing>
+    <p:tnLst>
+      <p:par>
+        <p:cTn id="1" dur="indefinite" restart="never" nodeType="tmRoot">
+          <p:childTnLst>
+            <p:seq concurrent="1" nextAc="seek">
+              <p:cTn id="2" dur="indefinite" nodeType="mainSeq">
+                <p:childTnLst>
+                  <p:par>
+                    <p:cTn id="3" fill="hold">
+                      <p:stCondLst>
+                        <p:cond delay="indefinite"/>
+                      </p:stCondLst>
+                      <p:childTnLst>
+                        <p:par>
+                          <p:cTn id="4" fill="hold">
+                            <p:stCondLst>
+                              <p:cond delay="0"/>
+                            </p:stCondLst>
+                            <p:childTnLst>
+                              <p:par>
+                                <p:cTn id="5" presetID="1" presetClass="entr" presetSubtype="0" fill="hold" grpId="0" nodeType="clickEffect">
+                                  <p:stCondLst>
+                                    <p:cond delay="0"/>
+                                  </p:stCondLst>
+                                  <p:childTnLst>
+                                    <p:set>
+                                      <p:cBhvr>
+                                        <p:cTn id="6" dur="1" fill="hold">
+                                          <p:stCondLst>
+                                            <p:cond delay="0"/>
+                                          </p:stCondLst>
+                                        </p:cTn>
+                                        <p:tgtEl>
+                                          <p:spTgt spid="3">
+                                            <p:txEl>
+                                              <p:pRg st="0" end="0"/>
+                                            </p:txEl>
+                                          </p:spTgt>
+                                        </p:tgtEl>
+                                        <p:attrNameLst>
+                                          <p:attrName>style.visibility</p:attrName>
+                                        </p:attrNameLst>
+                                      </p:cBhvr>
+                                      <p:to>
+                                        <p:strVal val="visible"/>
+                                      </p:to>
+                                    </p:set>
+                                  </p:childTnLst>
+                                </p:cTn>
+                              </p:par>
+                              <p:par>
+                                <p:cTn id="7" presetID="1" presetClass="entr" presetSubtype="0" fill="hold" grpId="0" nodeType="withEffect">
+                                  <p:stCondLst>
+                                    <p:cond delay="0"/>
+                                  </p:stCondLst>
+                                  <p:childTnLst>
+                                    <p:set>
+                                      <p:cBhvr>
+                                        <p:cTn id="8" dur="1" fill="hold">
+                                          <p:stCondLst>
+                                            <p:cond delay="0"/>
+                                          </p:stCondLst>
+                                        </p:cTn>
+                                        <p:tgtEl>
+                                          <p:spTgt spid="3">
+                                            <p:txEl>
+                                              <p:pRg st="1" end="1"/>
+                                            </p:txEl>
+                                          </p:spTgt>
+                                        </p:tgtEl>
+                                        <p:attrNameLst>
+                                          <p:attrName>style.visibility</p:attrName>
+                                        </p:attrNameLst>
+                                      </p:cBhvr>
+                                      <p:to>
+                                        <p:strVal val="visible"/>
+                                      </p:to>
+                                    </p:set>
+                                  </p:childTnLst>
+                                </p:cTn>
+                              </p:par>
+                              <p:par>
+                                <p:cTn id="9" presetID="1" presetClass="entr" presetSubtype="0" fill="hold" grpId="0" nodeType="withEffect">
+                                  <p:stCondLst>
+                                    <p:cond delay="0"/>
+                                  </p:stCondLst>
+                                  <p:childTnLst>
+                                    <p:set>
+                                      <p:cBhvr>
+                                        <p:cTn id="10" dur="1" fill="hold">
+                                          <p:stCondLst>
+                                            <p:cond delay="0"/>
+                                          </p:stCondLst>
+                                        </p:cTn>
+                                        <p:tgtEl>
+                                          <p:spTgt spid="3">
+                                            <p:txEl>
+                                              <p:pRg st="2" end="2"/>
+                                            </p:txEl>
+                                          </p:spTgt>
+                                        </p:tgtEl>
+                                        <p:attrNameLst>
+                                          <p:attrName>style.visibility</p:attrName>
+                                        </p:attrNameLst>
+                                      </p:cBhvr>
+                                      <p:to>
+                                        <p:strVal val="visible"/>
+                                      </p:to>
+                                    </p:set>
+                                  </p:childTnLst>
+                                </p:cTn>
+                              </p:par>
+                            </p:childTnLst>
+                          </p:cTn>
+                        </p:par>
+                      </p:childTnLst>
+                    </p:cTn>
+                  </p:par>
+                  <p:par>
+                    <p:cTn id="11" fill="hold">
+                      <p:stCondLst>
+                        <p:cond delay="indefinite"/>
+                      </p:stCondLst>
+                      <p:childTnLst>
+                        <p:par>
+                          <p:cTn id="12" fill="hold">
+                            <p:stCondLst>
+                              <p:cond delay="0"/>
+                            </p:stCondLst>
+                            <p:childTnLst>
+                              <p:par>
+                                <p:cTn id="13" presetID="1" presetClass="entr" presetSubtype="0" fill="hold" grpId="0" nodeType="clickEffect">
+                                  <p:stCondLst>
+                                    <p:cond delay="0"/>
+                                  </p:stCondLst>
+                                  <p:childTnLst>
+                                    <p:set>
+                                      <p:cBhvr>
+                                        <p:cTn id="14" dur="1" fill="hold">
+                                          <p:stCondLst>
+                                            <p:cond delay="0"/>
+                                          </p:stCondLst>
+                                        </p:cTn>
+                                        <p:tgtEl>
+                                          <p:spTgt spid="3">
+                                            <p:txEl>
+                                              <p:pRg st="3" end="3"/>
+                                            </p:txEl>
+                                          </p:spTgt>
+                                        </p:tgtEl>
+                                        <p:attrNameLst>
+                                          <p:attrName>style.visibility</p:attrName>
+                                        </p:attrNameLst>
+                                      </p:cBhvr>
+                                      <p:to>
+                                        <p:strVal val="visible"/>
+                                      </p:to>
+                                    </p:set>
+                                  </p:childTnLst>
+                                </p:cTn>
+                              </p:par>
+                            </p:childTnLst>
+                          </p:cTn>
+                        </p:par>
+                      </p:childTnLst>
+                    </p:cTn>
+                  </p:par>
+                  <p:par>
+                    <p:cTn id="15" fill="hold">
+                      <p:stCondLst>
+                        <p:cond delay="indefinite"/>
+                      </p:stCondLst>
+                      <p:childTnLst>
+                        <p:par>
+                          <p:cTn id="16" fill="hold">
+                            <p:stCondLst>
+                              <p:cond delay="0"/>
+                            </p:stCondLst>
+                            <p:childTnLst>
+                              <p:par>
+                                <p:cTn id="17" presetID="1" presetClass="entr" presetSubtype="0" fill="hold" grpId="0" nodeType="clickEffect">
+                                  <p:stCondLst>
+                                    <p:cond delay="0"/>
+                                  </p:stCondLst>
+                                  <p:childTnLst>
+                                    <p:set>
+                                      <p:cBhvr>
+                                        <p:cTn id="18" dur="1" fill="hold">
+                                          <p:stCondLst>
+                                            <p:cond delay="0"/>
+                                          </p:stCondLst>
+                                        </p:cTn>
+                                        <p:tgtEl>
+                                          <p:spTgt spid="3">
+                                            <p:txEl>
+                                              <p:pRg st="4" end="4"/>
+                                            </p:txEl>
+                                          </p:spTgt>
+                                        </p:tgtEl>
+                                        <p:attrNameLst>
+                                          <p:attrName>style.visibility</p:attrName>
+                                        </p:attrNameLst>
+                                      </p:cBhvr>
+                                      <p:to>
+                                        <p:strVal val="visible"/>
+                                      </p:to>
+                                    </p:set>
+                                  </p:childTnLst>
+                                </p:cTn>
+                              </p:par>
+                            </p:childTnLst>
+                          </p:cTn>
+                        </p:par>
+                      </p:childTnLst>
+                    </p:cTn>
+                  </p:par>
+                  <p:par>
+                    <p:cTn id="19" fill="hold">
+                      <p:stCondLst>
+                        <p:cond delay="indefinite"/>
+                      </p:stCondLst>
+                      <p:childTnLst>
+                        <p:par>
+                          <p:cTn id="20" fill="hold">
+                            <p:stCondLst>
+                              <p:cond delay="0"/>
+                            </p:stCondLst>
+                            <p:childTnLst>
+                              <p:par>
+                                <p:cTn id="21" presetID="1" presetClass="entr" presetSubtype="0" fill="hold" grpId="0" nodeType="clickEffect">
+                                  <p:stCondLst>
+                                    <p:cond delay="0"/>
+                                  </p:stCondLst>
+                                  <p:childTnLst>
+                                    <p:set>
+                                      <p:cBhvr>
+                                        <p:cTn id="22" dur="1" fill="hold">
+                                          <p:stCondLst>
+                                            <p:cond delay="0"/>
+                                          </p:stCondLst>
+                                        </p:cTn>
+                                        <p:tgtEl>
+                                          <p:spTgt spid="3">
+                                            <p:txEl>
+                                              <p:pRg st="5" end="5"/>
+                                            </p:txEl>
+                                          </p:spTgt>
+                                        </p:tgtEl>
+                                        <p:attrNameLst>
+                                          <p:attrName>style.visibility</p:attrName>
+                                        </p:attrNameLst>
+                                      </p:cBhvr>
+                                      <p:to>
+                                        <p:strVal val="visible"/>
+                                      </p:to>
+                                    </p:set>
+                                  </p:childTnLst>
+                                </p:cTn>
+                              </p:par>
+                            </p:childTnLst>
+                          </p:cTn>
+                        </p:par>
+                      </p:childTnLst>
+                    </p:cTn>
+                  </p:par>
+                  <p:par>
+                    <p:cTn id="23" fill="hold">
+                      <p:stCondLst>
+                        <p:cond delay="indefinite"/>
+                      </p:stCondLst>
+                      <p:childTnLst>
+                        <p:par>
+                          <p:cTn id="24" fill="hold">
+                            <p:stCondLst>
+                              <p:cond delay="0"/>
+                            </p:stCondLst>
+                            <p:childTnLst>
+                              <p:par>
+                                <p:cTn id="25" presetID="1" presetClass="entr" presetSubtype="0" fill="hold" grpId="0" nodeType="clickEffect">
+                                  <p:stCondLst>
+                                    <p:cond delay="0"/>
+                                  </p:stCondLst>
+                                  <p:childTnLst>
+                                    <p:set>
+                                      <p:cBhvr>
+                                        <p:cTn id="26" dur="1" fill="hold">
+                                          <p:stCondLst>
+                                            <p:cond delay="0"/>
+                                          </p:stCondLst>
+                                        </p:cTn>
+                                        <p:tgtEl>
+                                          <p:spTgt spid="3">
+                                            <p:txEl>
+                                              <p:pRg st="6" end="6"/>
+                                            </p:txEl>
+                                          </p:spTgt>
+                                        </p:tgtEl>
+                                        <p:attrNameLst>
+                                          <p:attrName>style.visibility</p:attrName>
+                                        </p:attrNameLst>
+                                      </p:cBhvr>
+                                      <p:to>
+                                        <p:strVal val="visible"/>
+                                      </p:to>
+                                    </p:set>
+                                  </p:childTnLst>
+                                </p:cTn>
+                              </p:par>
+                            </p:childTnLst>
+                          </p:cTn>
+                        </p:par>
+                      </p:childTnLst>
+                    </p:cTn>
+                  </p:par>
+                </p:childTnLst>
+              </p:cTn>
+              <p:prevCondLst>
+                <p:cond evt="onPrev" delay="0">
+                  <p:tgtEl>
+                    <p:sldTgt/>
+                  </p:tgtEl>
+                </p:cond>
+              </p:prevCondLst>
+              <p:nextCondLst>
+                <p:cond evt="onNext" delay="0">
+                  <p:tgtEl>
+                    <p:sldTgt/>
+                  </p:tgtEl>
+                </p:cond>
+              </p:nextCondLst>
+            </p:seq>
+          </p:childTnLst>
+        </p:cTn>
+      </p:par>
+    </p:tnLst>
+    <p:bldLst>
+      <p:bldP spid="3" grpId="0" build="p"/>
+    </p:bldLst>
+  </p:timing>
 </p:sld>
 </file>
 

--- a/content/lectures/Introduction.pptx
+++ b/content/lectures/Introduction.pptx
@@ -6,17 +6,18 @@
   </p:sldMasterIdLst>
   <p:sldIdLst>
     <p:sldId id="256" r:id="rId2"/>
-    <p:sldId id="257" r:id="rId3"/>
-    <p:sldId id="258" r:id="rId4"/>
-    <p:sldId id="259" r:id="rId5"/>
-    <p:sldId id="260" r:id="rId6"/>
-    <p:sldId id="261" r:id="rId7"/>
-    <p:sldId id="262" r:id="rId8"/>
-    <p:sldId id="263" r:id="rId9"/>
-    <p:sldId id="267" r:id="rId10"/>
-    <p:sldId id="268" r:id="rId11"/>
-    <p:sldId id="265" r:id="rId12"/>
-    <p:sldId id="264" r:id="rId13"/>
+    <p:sldId id="269" r:id="rId3"/>
+    <p:sldId id="257" r:id="rId4"/>
+    <p:sldId id="258" r:id="rId5"/>
+    <p:sldId id="259" r:id="rId6"/>
+    <p:sldId id="260" r:id="rId7"/>
+    <p:sldId id="261" r:id="rId8"/>
+    <p:sldId id="262" r:id="rId9"/>
+    <p:sldId id="263" r:id="rId10"/>
+    <p:sldId id="267" r:id="rId11"/>
+    <p:sldId id="268" r:id="rId12"/>
+    <p:sldId id="265" r:id="rId13"/>
+    <p:sldId id="264" r:id="rId14"/>
   </p:sldIdLst>
   <p:sldSz cx="12192000" cy="6858000"/>
   <p:notesSz cx="6858000" cy="9144000"/>
@@ -3416,6 +3417,500 @@
           <a:chExt cx="0" cy="0"/>
         </a:xfrm>
       </p:grpSpPr>
+      <p:sp>
+        <p:nvSpPr>
+          <p:cNvPr id="2" name="Title 1">
+            <a:extLst>
+              <a:ext uri="{FF2B5EF4-FFF2-40B4-BE49-F238E27FC236}">
+                <a16:creationId xmlns:a16="http://schemas.microsoft.com/office/drawing/2014/main" id="{C325B7C7-7599-801A-DEED-FB0A0A7953BE}"/>
+              </a:ext>
+            </a:extLst>
+          </p:cNvPr>
+          <p:cNvSpPr>
+            <a:spLocks noGrp="1"/>
+          </p:cNvSpPr>
+          <p:nvPr>
+            <p:ph type="title"/>
+          </p:nvPr>
+        </p:nvSpPr>
+        <p:spPr/>
+        <p:txBody>
+          <a:bodyPr/>
+          <a:lstStyle/>
+          <a:p>
+            <a:r>
+              <a:rPr lang="en-US" dirty="0"/>
+              <a:t>Course structure</a:t>
+            </a:r>
+          </a:p>
+        </p:txBody>
+      </p:sp>
+      <p:sp>
+        <p:nvSpPr>
+          <p:cNvPr id="3" name="Content Placeholder 2">
+            <a:extLst>
+              <a:ext uri="{FF2B5EF4-FFF2-40B4-BE49-F238E27FC236}">
+                <a16:creationId xmlns:a16="http://schemas.microsoft.com/office/drawing/2014/main" id="{55B83267-B33C-B929-8DA0-22CE6B5FCDED}"/>
+              </a:ext>
+            </a:extLst>
+          </p:cNvPr>
+          <p:cNvSpPr>
+            <a:spLocks noGrp="1"/>
+          </p:cNvSpPr>
+          <p:nvPr>
+            <p:ph idx="1"/>
+          </p:nvPr>
+        </p:nvSpPr>
+        <p:spPr/>
+        <p:txBody>
+          <a:bodyPr/>
+          <a:lstStyle/>
+          <a:p>
+            <a:r>
+              <a:rPr lang="en-US" dirty="0"/>
+              <a:t>We will be using </a:t>
+            </a:r>
+            <a:r>
+              <a:rPr lang="en-US" dirty="0" err="1"/>
+              <a:t>JupyterLab</a:t>
+            </a:r>
+            <a:r>
+              <a:rPr lang="en-US" dirty="0"/>
+              <a:t> up until day 4.</a:t>
+            </a:r>
+          </a:p>
+          <a:p>
+            <a:pPr lvl="1"/>
+            <a:r>
+              <a:rPr lang="en-US" dirty="0"/>
+              <a:t>Either </a:t>
+            </a:r>
+            <a:r>
+              <a:rPr lang="en-US" dirty="0" err="1"/>
+              <a:t>Pyodide</a:t>
+            </a:r>
+            <a:r>
+              <a:rPr lang="en-US" dirty="0"/>
+              <a:t> or your own install can be used</a:t>
+            </a:r>
+          </a:p>
+          <a:p>
+            <a:pPr lvl="1"/>
+            <a:r>
+              <a:rPr lang="en-US" dirty="0"/>
+              <a:t>All but 2 notebooks work using </a:t>
+            </a:r>
+            <a:r>
+              <a:rPr lang="en-US" dirty="0" err="1"/>
+              <a:t>pyodide</a:t>
+            </a:r>
+            <a:r>
+              <a:rPr lang="en-US" dirty="0"/>
+              <a:t>.</a:t>
+            </a:r>
+          </a:p>
+          <a:p>
+            <a:r>
+              <a:rPr lang="en-US" dirty="0"/>
+              <a:t>From day 4 we will teach project development.</a:t>
+            </a:r>
+          </a:p>
+          <a:p>
+            <a:r>
+              <a:rPr lang="en-US" dirty="0"/>
+              <a:t>Last day we will build a project from scratch.</a:t>
+            </a:r>
+          </a:p>
+          <a:p>
+            <a:r>
+              <a:rPr lang="en-US" dirty="0"/>
+              <a:t>Each day except the last will have a 30 minute question session at the end.</a:t>
+            </a:r>
+          </a:p>
+          <a:p>
+            <a:r>
+              <a:rPr lang="en-US" dirty="0"/>
+              <a:t>Schedule is flexible depending on demand for certain topics.</a:t>
+            </a:r>
+          </a:p>
+          <a:p>
+            <a:endParaRPr lang="en-US" dirty="0"/>
+          </a:p>
+          <a:p>
+            <a:endParaRPr lang="en-US" dirty="0"/>
+          </a:p>
+        </p:txBody>
+      </p:sp>
+    </p:spTree>
+    <p:extLst>
+      <p:ext uri="{BB962C8B-B14F-4D97-AF65-F5344CB8AC3E}">
+        <p14:creationId xmlns:p14="http://schemas.microsoft.com/office/powerpoint/2010/main" val="591396260"/>
+      </p:ext>
+    </p:extLst>
+  </p:cSld>
+  <p:clrMapOvr>
+    <a:masterClrMapping/>
+  </p:clrMapOvr>
+  <p:timing>
+    <p:tnLst>
+      <p:par>
+        <p:cTn id="1" dur="indefinite" restart="never" nodeType="tmRoot">
+          <p:childTnLst>
+            <p:seq concurrent="1" nextAc="seek">
+              <p:cTn id="2" dur="indefinite" nodeType="mainSeq">
+                <p:childTnLst>
+                  <p:par>
+                    <p:cTn id="3" fill="hold">
+                      <p:stCondLst>
+                        <p:cond delay="indefinite"/>
+                      </p:stCondLst>
+                      <p:childTnLst>
+                        <p:par>
+                          <p:cTn id="4" fill="hold">
+                            <p:stCondLst>
+                              <p:cond delay="0"/>
+                            </p:stCondLst>
+                            <p:childTnLst>
+                              <p:par>
+                                <p:cTn id="5" presetID="1" presetClass="entr" presetSubtype="0" fill="hold" grpId="0" nodeType="clickEffect">
+                                  <p:stCondLst>
+                                    <p:cond delay="0"/>
+                                  </p:stCondLst>
+                                  <p:childTnLst>
+                                    <p:set>
+                                      <p:cBhvr>
+                                        <p:cTn id="6" dur="1" fill="hold">
+                                          <p:stCondLst>
+                                            <p:cond delay="0"/>
+                                          </p:stCondLst>
+                                        </p:cTn>
+                                        <p:tgtEl>
+                                          <p:spTgt spid="3">
+                                            <p:txEl>
+                                              <p:pRg st="0" end="0"/>
+                                            </p:txEl>
+                                          </p:spTgt>
+                                        </p:tgtEl>
+                                        <p:attrNameLst>
+                                          <p:attrName>style.visibility</p:attrName>
+                                        </p:attrNameLst>
+                                      </p:cBhvr>
+                                      <p:to>
+                                        <p:strVal val="visible"/>
+                                      </p:to>
+                                    </p:set>
+                                  </p:childTnLst>
+                                </p:cTn>
+                              </p:par>
+                              <p:par>
+                                <p:cTn id="7" presetID="1" presetClass="entr" presetSubtype="0" fill="hold" grpId="0" nodeType="withEffect">
+                                  <p:stCondLst>
+                                    <p:cond delay="0"/>
+                                  </p:stCondLst>
+                                  <p:childTnLst>
+                                    <p:set>
+                                      <p:cBhvr>
+                                        <p:cTn id="8" dur="1" fill="hold">
+                                          <p:stCondLst>
+                                            <p:cond delay="0"/>
+                                          </p:stCondLst>
+                                        </p:cTn>
+                                        <p:tgtEl>
+                                          <p:spTgt spid="3">
+                                            <p:txEl>
+                                              <p:pRg st="1" end="1"/>
+                                            </p:txEl>
+                                          </p:spTgt>
+                                        </p:tgtEl>
+                                        <p:attrNameLst>
+                                          <p:attrName>style.visibility</p:attrName>
+                                        </p:attrNameLst>
+                                      </p:cBhvr>
+                                      <p:to>
+                                        <p:strVal val="visible"/>
+                                      </p:to>
+                                    </p:set>
+                                  </p:childTnLst>
+                                </p:cTn>
+                              </p:par>
+                              <p:par>
+                                <p:cTn id="9" presetID="1" presetClass="entr" presetSubtype="0" fill="hold" grpId="0" nodeType="withEffect">
+                                  <p:stCondLst>
+                                    <p:cond delay="0"/>
+                                  </p:stCondLst>
+                                  <p:childTnLst>
+                                    <p:set>
+                                      <p:cBhvr>
+                                        <p:cTn id="10" dur="1" fill="hold">
+                                          <p:stCondLst>
+                                            <p:cond delay="0"/>
+                                          </p:stCondLst>
+                                        </p:cTn>
+                                        <p:tgtEl>
+                                          <p:spTgt spid="3">
+                                            <p:txEl>
+                                              <p:pRg st="2" end="2"/>
+                                            </p:txEl>
+                                          </p:spTgt>
+                                        </p:tgtEl>
+                                        <p:attrNameLst>
+                                          <p:attrName>style.visibility</p:attrName>
+                                        </p:attrNameLst>
+                                      </p:cBhvr>
+                                      <p:to>
+                                        <p:strVal val="visible"/>
+                                      </p:to>
+                                    </p:set>
+                                  </p:childTnLst>
+                                </p:cTn>
+                              </p:par>
+                            </p:childTnLst>
+                          </p:cTn>
+                        </p:par>
+                      </p:childTnLst>
+                    </p:cTn>
+                  </p:par>
+                  <p:par>
+                    <p:cTn id="11" fill="hold">
+                      <p:stCondLst>
+                        <p:cond delay="indefinite"/>
+                      </p:stCondLst>
+                      <p:childTnLst>
+                        <p:par>
+                          <p:cTn id="12" fill="hold">
+                            <p:stCondLst>
+                              <p:cond delay="0"/>
+                            </p:stCondLst>
+                            <p:childTnLst>
+                              <p:par>
+                                <p:cTn id="13" presetID="1" presetClass="entr" presetSubtype="0" fill="hold" grpId="0" nodeType="clickEffect">
+                                  <p:stCondLst>
+                                    <p:cond delay="0"/>
+                                  </p:stCondLst>
+                                  <p:childTnLst>
+                                    <p:set>
+                                      <p:cBhvr>
+                                        <p:cTn id="14" dur="1" fill="hold">
+                                          <p:stCondLst>
+                                            <p:cond delay="0"/>
+                                          </p:stCondLst>
+                                        </p:cTn>
+                                        <p:tgtEl>
+                                          <p:spTgt spid="3">
+                                            <p:txEl>
+                                              <p:pRg st="3" end="3"/>
+                                            </p:txEl>
+                                          </p:spTgt>
+                                        </p:tgtEl>
+                                        <p:attrNameLst>
+                                          <p:attrName>style.visibility</p:attrName>
+                                        </p:attrNameLst>
+                                      </p:cBhvr>
+                                      <p:to>
+                                        <p:strVal val="visible"/>
+                                      </p:to>
+                                    </p:set>
+                                  </p:childTnLst>
+                                </p:cTn>
+                              </p:par>
+                            </p:childTnLst>
+                          </p:cTn>
+                        </p:par>
+                      </p:childTnLst>
+                    </p:cTn>
+                  </p:par>
+                  <p:par>
+                    <p:cTn id="15" fill="hold">
+                      <p:stCondLst>
+                        <p:cond delay="indefinite"/>
+                      </p:stCondLst>
+                      <p:childTnLst>
+                        <p:par>
+                          <p:cTn id="16" fill="hold">
+                            <p:stCondLst>
+                              <p:cond delay="0"/>
+                            </p:stCondLst>
+                            <p:childTnLst>
+                              <p:par>
+                                <p:cTn id="17" presetID="1" presetClass="entr" presetSubtype="0" fill="hold" grpId="0" nodeType="clickEffect">
+                                  <p:stCondLst>
+                                    <p:cond delay="0"/>
+                                  </p:stCondLst>
+                                  <p:childTnLst>
+                                    <p:set>
+                                      <p:cBhvr>
+                                        <p:cTn id="18" dur="1" fill="hold">
+                                          <p:stCondLst>
+                                            <p:cond delay="0"/>
+                                          </p:stCondLst>
+                                        </p:cTn>
+                                        <p:tgtEl>
+                                          <p:spTgt spid="3">
+                                            <p:txEl>
+                                              <p:pRg st="4" end="4"/>
+                                            </p:txEl>
+                                          </p:spTgt>
+                                        </p:tgtEl>
+                                        <p:attrNameLst>
+                                          <p:attrName>style.visibility</p:attrName>
+                                        </p:attrNameLst>
+                                      </p:cBhvr>
+                                      <p:to>
+                                        <p:strVal val="visible"/>
+                                      </p:to>
+                                    </p:set>
+                                  </p:childTnLst>
+                                </p:cTn>
+                              </p:par>
+                            </p:childTnLst>
+                          </p:cTn>
+                        </p:par>
+                      </p:childTnLst>
+                    </p:cTn>
+                  </p:par>
+                  <p:par>
+                    <p:cTn id="19" fill="hold">
+                      <p:stCondLst>
+                        <p:cond delay="indefinite"/>
+                      </p:stCondLst>
+                      <p:childTnLst>
+                        <p:par>
+                          <p:cTn id="20" fill="hold">
+                            <p:stCondLst>
+                              <p:cond delay="0"/>
+                            </p:stCondLst>
+                            <p:childTnLst>
+                              <p:par>
+                                <p:cTn id="21" presetID="1" presetClass="entr" presetSubtype="0" fill="hold" grpId="0" nodeType="clickEffect">
+                                  <p:stCondLst>
+                                    <p:cond delay="0"/>
+                                  </p:stCondLst>
+                                  <p:childTnLst>
+                                    <p:set>
+                                      <p:cBhvr>
+                                        <p:cTn id="22" dur="1" fill="hold">
+                                          <p:stCondLst>
+                                            <p:cond delay="0"/>
+                                          </p:stCondLst>
+                                        </p:cTn>
+                                        <p:tgtEl>
+                                          <p:spTgt spid="3">
+                                            <p:txEl>
+                                              <p:pRg st="5" end="5"/>
+                                            </p:txEl>
+                                          </p:spTgt>
+                                        </p:tgtEl>
+                                        <p:attrNameLst>
+                                          <p:attrName>style.visibility</p:attrName>
+                                        </p:attrNameLst>
+                                      </p:cBhvr>
+                                      <p:to>
+                                        <p:strVal val="visible"/>
+                                      </p:to>
+                                    </p:set>
+                                  </p:childTnLst>
+                                </p:cTn>
+                              </p:par>
+                            </p:childTnLst>
+                          </p:cTn>
+                        </p:par>
+                      </p:childTnLst>
+                    </p:cTn>
+                  </p:par>
+                  <p:par>
+                    <p:cTn id="23" fill="hold">
+                      <p:stCondLst>
+                        <p:cond delay="indefinite"/>
+                      </p:stCondLst>
+                      <p:childTnLst>
+                        <p:par>
+                          <p:cTn id="24" fill="hold">
+                            <p:stCondLst>
+                              <p:cond delay="0"/>
+                            </p:stCondLst>
+                            <p:childTnLst>
+                              <p:par>
+                                <p:cTn id="25" presetID="1" presetClass="entr" presetSubtype="0" fill="hold" grpId="0" nodeType="clickEffect">
+                                  <p:stCondLst>
+                                    <p:cond delay="0"/>
+                                  </p:stCondLst>
+                                  <p:childTnLst>
+                                    <p:set>
+                                      <p:cBhvr>
+                                        <p:cTn id="26" dur="1" fill="hold">
+                                          <p:stCondLst>
+                                            <p:cond delay="0"/>
+                                          </p:stCondLst>
+                                        </p:cTn>
+                                        <p:tgtEl>
+                                          <p:spTgt spid="3">
+                                            <p:txEl>
+                                              <p:pRg st="6" end="6"/>
+                                            </p:txEl>
+                                          </p:spTgt>
+                                        </p:tgtEl>
+                                        <p:attrNameLst>
+                                          <p:attrName>style.visibility</p:attrName>
+                                        </p:attrNameLst>
+                                      </p:cBhvr>
+                                      <p:to>
+                                        <p:strVal val="visible"/>
+                                      </p:to>
+                                    </p:set>
+                                  </p:childTnLst>
+                                </p:cTn>
+                              </p:par>
+                            </p:childTnLst>
+                          </p:cTn>
+                        </p:par>
+                      </p:childTnLst>
+                    </p:cTn>
+                  </p:par>
+                </p:childTnLst>
+              </p:cTn>
+              <p:prevCondLst>
+                <p:cond evt="onPrev" delay="0">
+                  <p:tgtEl>
+                    <p:sldTgt/>
+                  </p:tgtEl>
+                </p:cond>
+              </p:prevCondLst>
+              <p:nextCondLst>
+                <p:cond evt="onNext" delay="0">
+                  <p:tgtEl>
+                    <p:sldTgt/>
+                  </p:tgtEl>
+                </p:cond>
+              </p:nextCondLst>
+            </p:seq>
+          </p:childTnLst>
+        </p:cTn>
+      </p:par>
+    </p:tnLst>
+    <p:bldLst>
+      <p:bldP spid="3" grpId="0" build="p"/>
+    </p:bldLst>
+  </p:timing>
+</p:sld>
+</file>
+
+<file path=ppt/slides/slide11.xml><?xml version="1.0" encoding="utf-8"?>
+<p:sld xmlns:a="http://schemas.openxmlformats.org/drawingml/2006/main" xmlns:r="http://schemas.openxmlformats.org/officeDocument/2006/relationships" xmlns:p="http://schemas.openxmlformats.org/presentationml/2006/main">
+  <p:cSld>
+    <p:spTree>
+      <p:nvGrpSpPr>
+        <p:cNvPr id="1" name=""/>
+        <p:cNvGrpSpPr/>
+        <p:nvPr/>
+      </p:nvGrpSpPr>
+      <p:grpSpPr>
+        <a:xfrm>
+          <a:off x="0" y="0"/>
+          <a:ext cx="0" cy="0"/>
+          <a:chOff x="0" y="0"/>
+          <a:chExt cx="0" cy="0"/>
+        </a:xfrm>
+      </p:grpSpPr>
       <p:pic>
         <p:nvPicPr>
           <p:cNvPr id="5" name="Content Placeholder 4" descr="A table with text on it&#10;&#10;Description automatically generated">
@@ -3764,7 +4259,7 @@
 </p:sld>
 </file>
 
-<file path=ppt/slides/slide11.xml><?xml version="1.0" encoding="utf-8"?>
+<file path=ppt/slides/slide12.xml><?xml version="1.0" encoding="utf-8"?>
 <p:sld xmlns:a="http://schemas.openxmlformats.org/drawingml/2006/main" xmlns:r="http://schemas.openxmlformats.org/officeDocument/2006/relationships" xmlns:p="http://schemas.openxmlformats.org/presentationml/2006/main">
   <p:cSld>
     <p:spTree>
@@ -4139,7 +4634,7 @@
 </p:sld>
 </file>
 
-<file path=ppt/slides/slide12.xml><?xml version="1.0" encoding="utf-8"?>
+<file path=ppt/slides/slide13.xml><?xml version="1.0" encoding="utf-8"?>
 <p:sld xmlns:a="http://schemas.openxmlformats.org/drawingml/2006/main" xmlns:r="http://schemas.openxmlformats.org/officeDocument/2006/relationships" xmlns:p="http://schemas.openxmlformats.org/presentationml/2006/main">
   <p:cSld>
     <p:spTree>
@@ -4253,6 +4748,140 @@
 </file>
 
 <file path=ppt/slides/slide2.xml><?xml version="1.0" encoding="utf-8"?>
+<p:sld xmlns:a="http://schemas.openxmlformats.org/drawingml/2006/main" xmlns:r="http://schemas.openxmlformats.org/officeDocument/2006/relationships" xmlns:p="http://schemas.openxmlformats.org/presentationml/2006/main">
+  <p:cSld>
+    <p:spTree>
+      <p:nvGrpSpPr>
+        <p:cNvPr id="1" name=""/>
+        <p:cNvGrpSpPr/>
+        <p:nvPr/>
+      </p:nvGrpSpPr>
+      <p:grpSpPr>
+        <a:xfrm>
+          <a:off x="0" y="0"/>
+          <a:ext cx="0" cy="0"/>
+          <a:chOff x="0" y="0"/>
+          <a:chExt cx="0" cy="0"/>
+        </a:xfrm>
+      </p:grpSpPr>
+      <p:sp>
+        <p:nvSpPr>
+          <p:cNvPr id="2" name="Title 1">
+            <a:extLst>
+              <a:ext uri="{FF2B5EF4-FFF2-40B4-BE49-F238E27FC236}">
+                <a16:creationId xmlns:a16="http://schemas.microsoft.com/office/drawing/2014/main" id="{7E39A656-2F72-1E4E-FE6D-97FA82733F60}"/>
+              </a:ext>
+            </a:extLst>
+          </p:cNvPr>
+          <p:cNvSpPr>
+            <a:spLocks noGrp="1"/>
+          </p:cNvSpPr>
+          <p:nvPr>
+            <p:ph type="title"/>
+          </p:nvPr>
+        </p:nvSpPr>
+        <p:spPr/>
+        <p:txBody>
+          <a:bodyPr/>
+          <a:lstStyle/>
+          <a:p>
+            <a:r>
+              <a:rPr lang="en-US" dirty="0"/>
+              <a:t>Me</a:t>
+            </a:r>
+          </a:p>
+        </p:txBody>
+      </p:sp>
+      <p:sp>
+        <p:nvSpPr>
+          <p:cNvPr id="3" name="Content Placeholder 2">
+            <a:extLst>
+              <a:ext uri="{FF2B5EF4-FFF2-40B4-BE49-F238E27FC236}">
+                <a16:creationId xmlns:a16="http://schemas.microsoft.com/office/drawing/2014/main" id="{20F9E3B5-D201-A50E-73E1-7235BC7AEF27}"/>
+              </a:ext>
+            </a:extLst>
+          </p:cNvPr>
+          <p:cNvSpPr>
+            <a:spLocks noGrp="1"/>
+          </p:cNvSpPr>
+          <p:nvPr>
+            <p:ph idx="1"/>
+          </p:nvPr>
+        </p:nvSpPr>
+        <p:spPr/>
+        <p:txBody>
+          <a:bodyPr/>
+          <a:lstStyle/>
+          <a:p>
+            <a:r>
+              <a:rPr lang="en-US" dirty="0"/>
+              <a:t>Dr. Ahmed Faris Al-</a:t>
+            </a:r>
+            <a:r>
+              <a:rPr lang="en-US" dirty="0" err="1"/>
+              <a:t>Refaie</a:t>
+            </a:r>
+            <a:endParaRPr lang="en-US" dirty="0"/>
+          </a:p>
+          <a:p>
+            <a:r>
+              <a:rPr lang="en-US" dirty="0"/>
+              <a:t>Department of Physics and Mathematics</a:t>
+            </a:r>
+          </a:p>
+          <a:p>
+            <a:r>
+              <a:rPr lang="en-US" dirty="0"/>
+              <a:t>Principal Research Fellow </a:t>
+            </a:r>
+          </a:p>
+          <a:p>
+            <a:r>
+              <a:rPr lang="en-US" dirty="0"/>
+              <a:t>Exoplanets</a:t>
+            </a:r>
+          </a:p>
+          <a:p>
+            <a:r>
+              <a:rPr lang="en-US" dirty="0"/>
+              <a:t>PhD in Molecular Dynamics</a:t>
+            </a:r>
+          </a:p>
+          <a:p>
+            <a:r>
+              <a:rPr lang="en-US" dirty="0"/>
+              <a:t>Email: </a:t>
+            </a:r>
+            <a:r>
+              <a:rPr lang="en-US" dirty="0">
+                <a:hlinkClick r:id="rId2"/>
+              </a:rPr>
+              <a:t>ahmed.al-refaie.12@ucl.ac.uk</a:t>
+            </a:r>
+            <a:endParaRPr lang="en-US" dirty="0"/>
+          </a:p>
+          <a:p>
+            <a:pPr marL="0" indent="0">
+              <a:buNone/>
+            </a:pPr>
+            <a:endParaRPr lang="en-US" dirty="0"/>
+          </a:p>
+        </p:txBody>
+      </p:sp>
+    </p:spTree>
+    <p:extLst>
+      <p:ext uri="{BB962C8B-B14F-4D97-AF65-F5344CB8AC3E}">
+        <p14:creationId xmlns:p14="http://schemas.microsoft.com/office/powerpoint/2010/main" val="308870080"/>
+      </p:ext>
+    </p:extLst>
+  </p:cSld>
+  <p:clrMapOvr>
+    <a:masterClrMapping/>
+  </p:clrMapOvr>
+</p:sld>
+</file>
+
+<file path=ppt/slides/slide3.xml><?xml version="1.0" encoding="utf-8"?>
 <p:sld xmlns:a="http://schemas.openxmlformats.org/drawingml/2006/main" xmlns:r="http://schemas.openxmlformats.org/officeDocument/2006/relationships" xmlns:p="http://schemas.openxmlformats.org/presentationml/2006/main">
   <p:cSld>
     <p:spTree>
@@ -4735,7 +5364,7 @@
 </p:sld>
 </file>
 
-<file path=ppt/slides/slide3.xml><?xml version="1.0" encoding="utf-8"?>
+<file path=ppt/slides/slide4.xml><?xml version="1.0" encoding="utf-8"?>
 <p:sld xmlns:a="http://schemas.openxmlformats.org/drawingml/2006/main" xmlns:r="http://schemas.openxmlformats.org/officeDocument/2006/relationships" xmlns:p="http://schemas.openxmlformats.org/presentationml/2006/main">
   <p:cSld>
     <p:spTree>
@@ -5323,7 +5952,7 @@
 </p:sld>
 </file>
 
-<file path=ppt/slides/slide4.xml><?xml version="1.0" encoding="utf-8"?>
+<file path=ppt/slides/slide5.xml><?xml version="1.0" encoding="utf-8"?>
 <p:sld xmlns:a="http://schemas.openxmlformats.org/drawingml/2006/main" xmlns:r="http://schemas.openxmlformats.org/officeDocument/2006/relationships" xmlns:p="http://schemas.openxmlformats.org/presentationml/2006/main">
   <p:cSld>
     <p:spTree>
@@ -5910,7 +6539,7 @@
 </p:sld>
 </file>
 
-<file path=ppt/slides/slide5.xml><?xml version="1.0" encoding="utf-8"?>
+<file path=ppt/slides/slide6.xml><?xml version="1.0" encoding="utf-8"?>
 <p:sld xmlns:a="http://schemas.openxmlformats.org/drawingml/2006/main" xmlns:r="http://schemas.openxmlformats.org/officeDocument/2006/relationships" xmlns:p="http://schemas.openxmlformats.org/presentationml/2006/main">
   <p:cSld>
     <p:spTree>
@@ -6435,7 +7064,7 @@
 </p:sld>
 </file>
 
-<file path=ppt/slides/slide6.xml><?xml version="1.0" encoding="utf-8"?>
+<file path=ppt/slides/slide7.xml><?xml version="1.0" encoding="utf-8"?>
 <p:sld xmlns:a="http://schemas.openxmlformats.org/drawingml/2006/main" xmlns:r="http://schemas.openxmlformats.org/officeDocument/2006/relationships" xmlns:p="http://schemas.openxmlformats.org/presentationml/2006/main">
   <p:cSld>
     <p:spTree>
@@ -6987,7 +7616,7 @@
 </p:sld>
 </file>
 
-<file path=ppt/slides/slide7.xml><?xml version="1.0" encoding="utf-8"?>
+<file path=ppt/slides/slide8.xml><?xml version="1.0" encoding="utf-8"?>
 <p:sld xmlns:a="http://schemas.openxmlformats.org/drawingml/2006/main" xmlns:r="http://schemas.openxmlformats.org/officeDocument/2006/relationships" xmlns:p="http://schemas.openxmlformats.org/presentationml/2006/main">
   <p:cSld>
     <p:spTree>
@@ -7232,7 +7861,7 @@
 </p:sld>
 </file>
 
-<file path=ppt/slides/slide8.xml><?xml version="1.0" encoding="utf-8"?>
+<file path=ppt/slides/slide9.xml><?xml version="1.0" encoding="utf-8"?>
 <p:sld xmlns:a="http://schemas.openxmlformats.org/drawingml/2006/main" xmlns:r="http://schemas.openxmlformats.org/officeDocument/2006/relationships" xmlns:p="http://schemas.openxmlformats.org/presentationml/2006/main">
   <p:cSld>
     <p:spTree>
@@ -7466,500 +8095,6 @@
         </p:cTn>
       </p:par>
     </p:tnLst>
-  </p:timing>
-</p:sld>
-</file>
-
-<file path=ppt/slides/slide9.xml><?xml version="1.0" encoding="utf-8"?>
-<p:sld xmlns:a="http://schemas.openxmlformats.org/drawingml/2006/main" xmlns:r="http://schemas.openxmlformats.org/officeDocument/2006/relationships" xmlns:p="http://schemas.openxmlformats.org/presentationml/2006/main">
-  <p:cSld>
-    <p:spTree>
-      <p:nvGrpSpPr>
-        <p:cNvPr id="1" name=""/>
-        <p:cNvGrpSpPr/>
-        <p:nvPr/>
-      </p:nvGrpSpPr>
-      <p:grpSpPr>
-        <a:xfrm>
-          <a:off x="0" y="0"/>
-          <a:ext cx="0" cy="0"/>
-          <a:chOff x="0" y="0"/>
-          <a:chExt cx="0" cy="0"/>
-        </a:xfrm>
-      </p:grpSpPr>
-      <p:sp>
-        <p:nvSpPr>
-          <p:cNvPr id="2" name="Title 1">
-            <a:extLst>
-              <a:ext uri="{FF2B5EF4-FFF2-40B4-BE49-F238E27FC236}">
-                <a16:creationId xmlns:a16="http://schemas.microsoft.com/office/drawing/2014/main" id="{C325B7C7-7599-801A-DEED-FB0A0A7953BE}"/>
-              </a:ext>
-            </a:extLst>
-          </p:cNvPr>
-          <p:cNvSpPr>
-            <a:spLocks noGrp="1"/>
-          </p:cNvSpPr>
-          <p:nvPr>
-            <p:ph type="title"/>
-          </p:nvPr>
-        </p:nvSpPr>
-        <p:spPr/>
-        <p:txBody>
-          <a:bodyPr/>
-          <a:lstStyle/>
-          <a:p>
-            <a:r>
-              <a:rPr lang="en-US" dirty="0"/>
-              <a:t>Course structure</a:t>
-            </a:r>
-          </a:p>
-        </p:txBody>
-      </p:sp>
-      <p:sp>
-        <p:nvSpPr>
-          <p:cNvPr id="3" name="Content Placeholder 2">
-            <a:extLst>
-              <a:ext uri="{FF2B5EF4-FFF2-40B4-BE49-F238E27FC236}">
-                <a16:creationId xmlns:a16="http://schemas.microsoft.com/office/drawing/2014/main" id="{55B83267-B33C-B929-8DA0-22CE6B5FCDED}"/>
-              </a:ext>
-            </a:extLst>
-          </p:cNvPr>
-          <p:cNvSpPr>
-            <a:spLocks noGrp="1"/>
-          </p:cNvSpPr>
-          <p:nvPr>
-            <p:ph idx="1"/>
-          </p:nvPr>
-        </p:nvSpPr>
-        <p:spPr/>
-        <p:txBody>
-          <a:bodyPr/>
-          <a:lstStyle/>
-          <a:p>
-            <a:r>
-              <a:rPr lang="en-US" dirty="0"/>
-              <a:t>We will be using </a:t>
-            </a:r>
-            <a:r>
-              <a:rPr lang="en-US" dirty="0" err="1"/>
-              <a:t>JupyterLab</a:t>
-            </a:r>
-            <a:r>
-              <a:rPr lang="en-US" dirty="0"/>
-              <a:t> up until day 4.</a:t>
-            </a:r>
-          </a:p>
-          <a:p>
-            <a:pPr lvl="1"/>
-            <a:r>
-              <a:rPr lang="en-US" dirty="0"/>
-              <a:t>Either </a:t>
-            </a:r>
-            <a:r>
-              <a:rPr lang="en-US" dirty="0" err="1"/>
-              <a:t>Pyodide</a:t>
-            </a:r>
-            <a:r>
-              <a:rPr lang="en-US" dirty="0"/>
-              <a:t> or your own install can be used</a:t>
-            </a:r>
-          </a:p>
-          <a:p>
-            <a:pPr lvl="1"/>
-            <a:r>
-              <a:rPr lang="en-US" dirty="0"/>
-              <a:t>All but 2 notebooks work using </a:t>
-            </a:r>
-            <a:r>
-              <a:rPr lang="en-US" dirty="0" err="1"/>
-              <a:t>pyodide</a:t>
-            </a:r>
-            <a:r>
-              <a:rPr lang="en-US" dirty="0"/>
-              <a:t>.</a:t>
-            </a:r>
-          </a:p>
-          <a:p>
-            <a:r>
-              <a:rPr lang="en-US" dirty="0"/>
-              <a:t>From day 4 we will teach project development.</a:t>
-            </a:r>
-          </a:p>
-          <a:p>
-            <a:r>
-              <a:rPr lang="en-US" dirty="0"/>
-              <a:t>Last day we will build a project from scratch.</a:t>
-            </a:r>
-          </a:p>
-          <a:p>
-            <a:r>
-              <a:rPr lang="en-US" dirty="0"/>
-              <a:t>Each day except the last will have a 30 minute question session at the end.</a:t>
-            </a:r>
-          </a:p>
-          <a:p>
-            <a:r>
-              <a:rPr lang="en-US" dirty="0"/>
-              <a:t>Schedule is flexible depending on demand for certain topics.</a:t>
-            </a:r>
-          </a:p>
-          <a:p>
-            <a:endParaRPr lang="en-US" dirty="0"/>
-          </a:p>
-          <a:p>
-            <a:endParaRPr lang="en-US" dirty="0"/>
-          </a:p>
-        </p:txBody>
-      </p:sp>
-    </p:spTree>
-    <p:extLst>
-      <p:ext uri="{BB962C8B-B14F-4D97-AF65-F5344CB8AC3E}">
-        <p14:creationId xmlns:p14="http://schemas.microsoft.com/office/powerpoint/2010/main" val="591396260"/>
-      </p:ext>
-    </p:extLst>
-  </p:cSld>
-  <p:clrMapOvr>
-    <a:masterClrMapping/>
-  </p:clrMapOvr>
-  <p:timing>
-    <p:tnLst>
-      <p:par>
-        <p:cTn id="1" dur="indefinite" restart="never" nodeType="tmRoot">
-          <p:childTnLst>
-            <p:seq concurrent="1" nextAc="seek">
-              <p:cTn id="2" dur="indefinite" nodeType="mainSeq">
-                <p:childTnLst>
-                  <p:par>
-                    <p:cTn id="3" fill="hold">
-                      <p:stCondLst>
-                        <p:cond delay="indefinite"/>
-                      </p:stCondLst>
-                      <p:childTnLst>
-                        <p:par>
-                          <p:cTn id="4" fill="hold">
-                            <p:stCondLst>
-                              <p:cond delay="0"/>
-                            </p:stCondLst>
-                            <p:childTnLst>
-                              <p:par>
-                                <p:cTn id="5" presetID="1" presetClass="entr" presetSubtype="0" fill="hold" grpId="0" nodeType="clickEffect">
-                                  <p:stCondLst>
-                                    <p:cond delay="0"/>
-                                  </p:stCondLst>
-                                  <p:childTnLst>
-                                    <p:set>
-                                      <p:cBhvr>
-                                        <p:cTn id="6" dur="1" fill="hold">
-                                          <p:stCondLst>
-                                            <p:cond delay="0"/>
-                                          </p:stCondLst>
-                                        </p:cTn>
-                                        <p:tgtEl>
-                                          <p:spTgt spid="3">
-                                            <p:txEl>
-                                              <p:pRg st="0" end="0"/>
-                                            </p:txEl>
-                                          </p:spTgt>
-                                        </p:tgtEl>
-                                        <p:attrNameLst>
-                                          <p:attrName>style.visibility</p:attrName>
-                                        </p:attrNameLst>
-                                      </p:cBhvr>
-                                      <p:to>
-                                        <p:strVal val="visible"/>
-                                      </p:to>
-                                    </p:set>
-                                  </p:childTnLst>
-                                </p:cTn>
-                              </p:par>
-                              <p:par>
-                                <p:cTn id="7" presetID="1" presetClass="entr" presetSubtype="0" fill="hold" grpId="0" nodeType="withEffect">
-                                  <p:stCondLst>
-                                    <p:cond delay="0"/>
-                                  </p:stCondLst>
-                                  <p:childTnLst>
-                                    <p:set>
-                                      <p:cBhvr>
-                                        <p:cTn id="8" dur="1" fill="hold">
-                                          <p:stCondLst>
-                                            <p:cond delay="0"/>
-                                          </p:stCondLst>
-                                        </p:cTn>
-                                        <p:tgtEl>
-                                          <p:spTgt spid="3">
-                                            <p:txEl>
-                                              <p:pRg st="1" end="1"/>
-                                            </p:txEl>
-                                          </p:spTgt>
-                                        </p:tgtEl>
-                                        <p:attrNameLst>
-                                          <p:attrName>style.visibility</p:attrName>
-                                        </p:attrNameLst>
-                                      </p:cBhvr>
-                                      <p:to>
-                                        <p:strVal val="visible"/>
-                                      </p:to>
-                                    </p:set>
-                                  </p:childTnLst>
-                                </p:cTn>
-                              </p:par>
-                              <p:par>
-                                <p:cTn id="9" presetID="1" presetClass="entr" presetSubtype="0" fill="hold" grpId="0" nodeType="withEffect">
-                                  <p:stCondLst>
-                                    <p:cond delay="0"/>
-                                  </p:stCondLst>
-                                  <p:childTnLst>
-                                    <p:set>
-                                      <p:cBhvr>
-                                        <p:cTn id="10" dur="1" fill="hold">
-                                          <p:stCondLst>
-                                            <p:cond delay="0"/>
-                                          </p:stCondLst>
-                                        </p:cTn>
-                                        <p:tgtEl>
-                                          <p:spTgt spid="3">
-                                            <p:txEl>
-                                              <p:pRg st="2" end="2"/>
-                                            </p:txEl>
-                                          </p:spTgt>
-                                        </p:tgtEl>
-                                        <p:attrNameLst>
-                                          <p:attrName>style.visibility</p:attrName>
-                                        </p:attrNameLst>
-                                      </p:cBhvr>
-                                      <p:to>
-                                        <p:strVal val="visible"/>
-                                      </p:to>
-                                    </p:set>
-                                  </p:childTnLst>
-                                </p:cTn>
-                              </p:par>
-                            </p:childTnLst>
-                          </p:cTn>
-                        </p:par>
-                      </p:childTnLst>
-                    </p:cTn>
-                  </p:par>
-                  <p:par>
-                    <p:cTn id="11" fill="hold">
-                      <p:stCondLst>
-                        <p:cond delay="indefinite"/>
-                      </p:stCondLst>
-                      <p:childTnLst>
-                        <p:par>
-                          <p:cTn id="12" fill="hold">
-                            <p:stCondLst>
-                              <p:cond delay="0"/>
-                            </p:stCondLst>
-                            <p:childTnLst>
-                              <p:par>
-                                <p:cTn id="13" presetID="1" presetClass="entr" presetSubtype="0" fill="hold" grpId="0" nodeType="clickEffect">
-                                  <p:stCondLst>
-                                    <p:cond delay="0"/>
-                                  </p:stCondLst>
-                                  <p:childTnLst>
-                                    <p:set>
-                                      <p:cBhvr>
-                                        <p:cTn id="14" dur="1" fill="hold">
-                                          <p:stCondLst>
-                                            <p:cond delay="0"/>
-                                          </p:stCondLst>
-                                        </p:cTn>
-                                        <p:tgtEl>
-                                          <p:spTgt spid="3">
-                                            <p:txEl>
-                                              <p:pRg st="3" end="3"/>
-                                            </p:txEl>
-                                          </p:spTgt>
-                                        </p:tgtEl>
-                                        <p:attrNameLst>
-                                          <p:attrName>style.visibility</p:attrName>
-                                        </p:attrNameLst>
-                                      </p:cBhvr>
-                                      <p:to>
-                                        <p:strVal val="visible"/>
-                                      </p:to>
-                                    </p:set>
-                                  </p:childTnLst>
-                                </p:cTn>
-                              </p:par>
-                            </p:childTnLst>
-                          </p:cTn>
-                        </p:par>
-                      </p:childTnLst>
-                    </p:cTn>
-                  </p:par>
-                  <p:par>
-                    <p:cTn id="15" fill="hold">
-                      <p:stCondLst>
-                        <p:cond delay="indefinite"/>
-                      </p:stCondLst>
-                      <p:childTnLst>
-                        <p:par>
-                          <p:cTn id="16" fill="hold">
-                            <p:stCondLst>
-                              <p:cond delay="0"/>
-                            </p:stCondLst>
-                            <p:childTnLst>
-                              <p:par>
-                                <p:cTn id="17" presetID="1" presetClass="entr" presetSubtype="0" fill="hold" grpId="0" nodeType="clickEffect">
-                                  <p:stCondLst>
-                                    <p:cond delay="0"/>
-                                  </p:stCondLst>
-                                  <p:childTnLst>
-                                    <p:set>
-                                      <p:cBhvr>
-                                        <p:cTn id="18" dur="1" fill="hold">
-                                          <p:stCondLst>
-                                            <p:cond delay="0"/>
-                                          </p:stCondLst>
-                                        </p:cTn>
-                                        <p:tgtEl>
-                                          <p:spTgt spid="3">
-                                            <p:txEl>
-                                              <p:pRg st="4" end="4"/>
-                                            </p:txEl>
-                                          </p:spTgt>
-                                        </p:tgtEl>
-                                        <p:attrNameLst>
-                                          <p:attrName>style.visibility</p:attrName>
-                                        </p:attrNameLst>
-                                      </p:cBhvr>
-                                      <p:to>
-                                        <p:strVal val="visible"/>
-                                      </p:to>
-                                    </p:set>
-                                  </p:childTnLst>
-                                </p:cTn>
-                              </p:par>
-                            </p:childTnLst>
-                          </p:cTn>
-                        </p:par>
-                      </p:childTnLst>
-                    </p:cTn>
-                  </p:par>
-                  <p:par>
-                    <p:cTn id="19" fill="hold">
-                      <p:stCondLst>
-                        <p:cond delay="indefinite"/>
-                      </p:stCondLst>
-                      <p:childTnLst>
-                        <p:par>
-                          <p:cTn id="20" fill="hold">
-                            <p:stCondLst>
-                              <p:cond delay="0"/>
-                            </p:stCondLst>
-                            <p:childTnLst>
-                              <p:par>
-                                <p:cTn id="21" presetID="1" presetClass="entr" presetSubtype="0" fill="hold" grpId="0" nodeType="clickEffect">
-                                  <p:stCondLst>
-                                    <p:cond delay="0"/>
-                                  </p:stCondLst>
-                                  <p:childTnLst>
-                                    <p:set>
-                                      <p:cBhvr>
-                                        <p:cTn id="22" dur="1" fill="hold">
-                                          <p:stCondLst>
-                                            <p:cond delay="0"/>
-                                          </p:stCondLst>
-                                        </p:cTn>
-                                        <p:tgtEl>
-                                          <p:spTgt spid="3">
-                                            <p:txEl>
-                                              <p:pRg st="5" end="5"/>
-                                            </p:txEl>
-                                          </p:spTgt>
-                                        </p:tgtEl>
-                                        <p:attrNameLst>
-                                          <p:attrName>style.visibility</p:attrName>
-                                        </p:attrNameLst>
-                                      </p:cBhvr>
-                                      <p:to>
-                                        <p:strVal val="visible"/>
-                                      </p:to>
-                                    </p:set>
-                                  </p:childTnLst>
-                                </p:cTn>
-                              </p:par>
-                            </p:childTnLst>
-                          </p:cTn>
-                        </p:par>
-                      </p:childTnLst>
-                    </p:cTn>
-                  </p:par>
-                  <p:par>
-                    <p:cTn id="23" fill="hold">
-                      <p:stCondLst>
-                        <p:cond delay="indefinite"/>
-                      </p:stCondLst>
-                      <p:childTnLst>
-                        <p:par>
-                          <p:cTn id="24" fill="hold">
-                            <p:stCondLst>
-                              <p:cond delay="0"/>
-                            </p:stCondLst>
-                            <p:childTnLst>
-                              <p:par>
-                                <p:cTn id="25" presetID="1" presetClass="entr" presetSubtype="0" fill="hold" grpId="0" nodeType="clickEffect">
-                                  <p:stCondLst>
-                                    <p:cond delay="0"/>
-                                  </p:stCondLst>
-                                  <p:childTnLst>
-                                    <p:set>
-                                      <p:cBhvr>
-                                        <p:cTn id="26" dur="1" fill="hold">
-                                          <p:stCondLst>
-                                            <p:cond delay="0"/>
-                                          </p:stCondLst>
-                                        </p:cTn>
-                                        <p:tgtEl>
-                                          <p:spTgt spid="3">
-                                            <p:txEl>
-                                              <p:pRg st="6" end="6"/>
-                                            </p:txEl>
-                                          </p:spTgt>
-                                        </p:tgtEl>
-                                        <p:attrNameLst>
-                                          <p:attrName>style.visibility</p:attrName>
-                                        </p:attrNameLst>
-                                      </p:cBhvr>
-                                      <p:to>
-                                        <p:strVal val="visible"/>
-                                      </p:to>
-                                    </p:set>
-                                  </p:childTnLst>
-                                </p:cTn>
-                              </p:par>
-                            </p:childTnLst>
-                          </p:cTn>
-                        </p:par>
-                      </p:childTnLst>
-                    </p:cTn>
-                  </p:par>
-                </p:childTnLst>
-              </p:cTn>
-              <p:prevCondLst>
-                <p:cond evt="onPrev" delay="0">
-                  <p:tgtEl>
-                    <p:sldTgt/>
-                  </p:tgtEl>
-                </p:cond>
-              </p:prevCondLst>
-              <p:nextCondLst>
-                <p:cond evt="onNext" delay="0">
-                  <p:tgtEl>
-                    <p:sldTgt/>
-                  </p:tgtEl>
-                </p:cond>
-              </p:nextCondLst>
-            </p:seq>
-          </p:childTnLst>
-        </p:cTn>
-      </p:par>
-    </p:tnLst>
-    <p:bldLst>
-      <p:bldP spid="3" grpId="0" build="p"/>
-    </p:bldLst>
   </p:timing>
 </p:sld>
 </file>
